--- a/OS-Neutron-ML2.pptx
+++ b/OS-Neutron-ML2.pptx
@@ -3644,7 +3644,7 @@
           <a:p>
             <a:fld id="{9CF103AA-BCEE-446B-9BD2-43E765B5DBA4}" type="datetimeFigureOut">
               <a:rPr lang="en-US" smtClean="0"/>
-              <a:t>7/30/2015</a:t>
+              <a:t>8/7/2015</a:t>
             </a:fld>
             <a:endParaRPr lang="en-US"/>
           </a:p>
@@ -6471,7 +6471,7 @@
           <a:p>
             <a:r>
               <a:rPr lang="en-US" dirty="0" smtClean="0"/>
-              <a:t>ML2- Two Perspectives.</a:t>
+              <a:t>Openstack Neutron: ML2- Plugin</a:t>
             </a:r>
             <a:endParaRPr lang="en-US" dirty="0"/>
           </a:p>
@@ -14385,6 +14385,35 @@
           </a:p>
         </p:txBody>
       </p:sp>
+      <p:sp>
+        <p:nvSpPr>
+          <p:cNvPr id="4" name="TextBox 3"/>
+          <p:cNvSpPr txBox="1"/>
+          <p:nvPr/>
+        </p:nvSpPr>
+        <p:spPr>
+          <a:xfrm>
+            <a:off x="1905000" y="6090700"/>
+            <a:ext cx="4859022" cy="261610"/>
+          </a:xfrm>
+          <a:prstGeom prst="rect">
+            <a:avLst/>
+          </a:prstGeom>
+          <a:noFill/>
+        </p:spPr>
+        <p:txBody>
+          <a:bodyPr wrap="none" rtlCol="0">
+            <a:spAutoFit/>
+          </a:bodyPr>
+          <a:lstStyle/>
+          <a:p>
+            <a:r>
+              <a:rPr lang="en-US" sz="1100" dirty="0"/>
+              <a:t>Source: http://www.slideshare.net/lewtucker/open-stack-atlanta-2014tucker</a:t>
+            </a:r>
+          </a:p>
+        </p:txBody>
+      </p:sp>
     </p:spTree>
     <p:extLst>
       <p:ext uri="{BB962C8B-B14F-4D97-AF65-F5344CB8AC3E}">

--- a/OS-Neutron-ML2.pptx
+++ b/OS-Neutron-ML2.pptx
@@ -3,84 +3,85 @@
 <p:presentation xmlns:a="http://schemas.openxmlformats.org/drawingml/2006/main" xmlns:r="http://schemas.openxmlformats.org/officeDocument/2006/relationships" xmlns:p="http://schemas.openxmlformats.org/presentationml/2006/main" saveSubsetFonts="1">
   <p:sldMasterIdLst>
     <p:sldMasterId id="2147483660" r:id="rId1"/>
+    <p:sldMasterId id="2147483668" r:id="rId2"/>
   </p:sldMasterIdLst>
   <p:notesMasterIdLst>
-    <p:notesMasterId r:id="rId75"/>
+    <p:notesMasterId r:id="rId76"/>
   </p:notesMasterIdLst>
   <p:sldIdLst>
-    <p:sldId id="269" r:id="rId2"/>
-    <p:sldId id="317" r:id="rId3"/>
-    <p:sldId id="270" r:id="rId4"/>
-    <p:sldId id="257" r:id="rId5"/>
-    <p:sldId id="258" r:id="rId6"/>
-    <p:sldId id="263" r:id="rId7"/>
-    <p:sldId id="262" r:id="rId8"/>
-    <p:sldId id="260" r:id="rId9"/>
-    <p:sldId id="256" r:id="rId10"/>
-    <p:sldId id="259" r:id="rId11"/>
-    <p:sldId id="261" r:id="rId12"/>
-    <p:sldId id="264" r:id="rId13"/>
-    <p:sldId id="265" r:id="rId14"/>
-    <p:sldId id="328" r:id="rId15"/>
-    <p:sldId id="330" r:id="rId16"/>
-    <p:sldId id="327" r:id="rId17"/>
-    <p:sldId id="266" r:id="rId18"/>
-    <p:sldId id="329" r:id="rId19"/>
-    <p:sldId id="267" r:id="rId20"/>
-    <p:sldId id="268" r:id="rId21"/>
-    <p:sldId id="299" r:id="rId22"/>
-    <p:sldId id="332" r:id="rId23"/>
-    <p:sldId id="331" r:id="rId24"/>
-    <p:sldId id="304" r:id="rId25"/>
-    <p:sldId id="306" r:id="rId26"/>
-    <p:sldId id="308" r:id="rId27"/>
-    <p:sldId id="307" r:id="rId28"/>
-    <p:sldId id="313" r:id="rId29"/>
-    <p:sldId id="309" r:id="rId30"/>
-    <p:sldId id="310" r:id="rId31"/>
-    <p:sldId id="311" r:id="rId32"/>
-    <p:sldId id="312" r:id="rId33"/>
-    <p:sldId id="300" r:id="rId34"/>
-    <p:sldId id="302" r:id="rId35"/>
-    <p:sldId id="301" r:id="rId36"/>
-    <p:sldId id="314" r:id="rId37"/>
-    <p:sldId id="334" r:id="rId38"/>
-    <p:sldId id="271" r:id="rId39"/>
-    <p:sldId id="272" r:id="rId40"/>
-    <p:sldId id="273" r:id="rId41"/>
-    <p:sldId id="274" r:id="rId42"/>
-    <p:sldId id="276" r:id="rId43"/>
-    <p:sldId id="315" r:id="rId44"/>
-    <p:sldId id="277" r:id="rId45"/>
-    <p:sldId id="278" r:id="rId46"/>
-    <p:sldId id="279" r:id="rId47"/>
-    <p:sldId id="280" r:id="rId48"/>
-    <p:sldId id="282" r:id="rId49"/>
-    <p:sldId id="284" r:id="rId50"/>
-    <p:sldId id="285" r:id="rId51"/>
-    <p:sldId id="286" r:id="rId52"/>
-    <p:sldId id="288" r:id="rId53"/>
-    <p:sldId id="323" r:id="rId54"/>
-    <p:sldId id="290" r:id="rId55"/>
-    <p:sldId id="291" r:id="rId56"/>
-    <p:sldId id="297" r:id="rId57"/>
-    <p:sldId id="326" r:id="rId58"/>
-    <p:sldId id="298" r:id="rId59"/>
-    <p:sldId id="318" r:id="rId60"/>
-    <p:sldId id="319" r:id="rId61"/>
-    <p:sldId id="320" r:id="rId62"/>
-    <p:sldId id="321" r:id="rId63"/>
-    <p:sldId id="322" r:id="rId64"/>
-    <p:sldId id="325" r:id="rId65"/>
-    <p:sldId id="333" r:id="rId66"/>
-    <p:sldId id="335" r:id="rId67"/>
-    <p:sldId id="336" r:id="rId68"/>
-    <p:sldId id="343" r:id="rId69"/>
-    <p:sldId id="342" r:id="rId70"/>
-    <p:sldId id="340" r:id="rId71"/>
-    <p:sldId id="337" r:id="rId72"/>
-    <p:sldId id="338" r:id="rId73"/>
-    <p:sldId id="339" r:id="rId74"/>
+    <p:sldId id="269" r:id="rId3"/>
+    <p:sldId id="317" r:id="rId4"/>
+    <p:sldId id="270" r:id="rId5"/>
+    <p:sldId id="257" r:id="rId6"/>
+    <p:sldId id="258" r:id="rId7"/>
+    <p:sldId id="263" r:id="rId8"/>
+    <p:sldId id="262" r:id="rId9"/>
+    <p:sldId id="260" r:id="rId10"/>
+    <p:sldId id="256" r:id="rId11"/>
+    <p:sldId id="259" r:id="rId12"/>
+    <p:sldId id="261" r:id="rId13"/>
+    <p:sldId id="264" r:id="rId14"/>
+    <p:sldId id="265" r:id="rId15"/>
+    <p:sldId id="328" r:id="rId16"/>
+    <p:sldId id="330" r:id="rId17"/>
+    <p:sldId id="327" r:id="rId18"/>
+    <p:sldId id="266" r:id="rId19"/>
+    <p:sldId id="329" r:id="rId20"/>
+    <p:sldId id="267" r:id="rId21"/>
+    <p:sldId id="268" r:id="rId22"/>
+    <p:sldId id="299" r:id="rId23"/>
+    <p:sldId id="332" r:id="rId24"/>
+    <p:sldId id="331" r:id="rId25"/>
+    <p:sldId id="304" r:id="rId26"/>
+    <p:sldId id="306" r:id="rId27"/>
+    <p:sldId id="308" r:id="rId28"/>
+    <p:sldId id="307" r:id="rId29"/>
+    <p:sldId id="313" r:id="rId30"/>
+    <p:sldId id="309" r:id="rId31"/>
+    <p:sldId id="310" r:id="rId32"/>
+    <p:sldId id="311" r:id="rId33"/>
+    <p:sldId id="312" r:id="rId34"/>
+    <p:sldId id="300" r:id="rId35"/>
+    <p:sldId id="302" r:id="rId36"/>
+    <p:sldId id="301" r:id="rId37"/>
+    <p:sldId id="314" r:id="rId38"/>
+    <p:sldId id="334" r:id="rId39"/>
+    <p:sldId id="271" r:id="rId40"/>
+    <p:sldId id="272" r:id="rId41"/>
+    <p:sldId id="273" r:id="rId42"/>
+    <p:sldId id="274" r:id="rId43"/>
+    <p:sldId id="276" r:id="rId44"/>
+    <p:sldId id="315" r:id="rId45"/>
+    <p:sldId id="277" r:id="rId46"/>
+    <p:sldId id="278" r:id="rId47"/>
+    <p:sldId id="279" r:id="rId48"/>
+    <p:sldId id="280" r:id="rId49"/>
+    <p:sldId id="282" r:id="rId50"/>
+    <p:sldId id="284" r:id="rId51"/>
+    <p:sldId id="285" r:id="rId52"/>
+    <p:sldId id="286" r:id="rId53"/>
+    <p:sldId id="288" r:id="rId54"/>
+    <p:sldId id="323" r:id="rId55"/>
+    <p:sldId id="290" r:id="rId56"/>
+    <p:sldId id="291" r:id="rId57"/>
+    <p:sldId id="297" r:id="rId58"/>
+    <p:sldId id="326" r:id="rId59"/>
+    <p:sldId id="298" r:id="rId60"/>
+    <p:sldId id="318" r:id="rId61"/>
+    <p:sldId id="319" r:id="rId62"/>
+    <p:sldId id="320" r:id="rId63"/>
+    <p:sldId id="321" r:id="rId64"/>
+    <p:sldId id="322" r:id="rId65"/>
+    <p:sldId id="325" r:id="rId66"/>
+    <p:sldId id="333" r:id="rId67"/>
+    <p:sldId id="335" r:id="rId68"/>
+    <p:sldId id="336" r:id="rId69"/>
+    <p:sldId id="343" r:id="rId70"/>
+    <p:sldId id="342" r:id="rId71"/>
+    <p:sldId id="340" r:id="rId72"/>
+    <p:sldId id="337" r:id="rId73"/>
+    <p:sldId id="338" r:id="rId74"/>
+    <p:sldId id="339" r:id="rId75"/>
   </p:sldIdLst>
   <p:sldSz cx="9144000" cy="6858000" type="screen4x3"/>
   <p:notesSz cx="6858000" cy="9144000"/>
@@ -179,6 +180,22 @@
       </a:defRPr>
     </a:lvl9pPr>
   </p:defaultTextStyle>
+  <p:extLst>
+    <p:ext uri="{EFAFB233-063F-42B5-8137-9DF3F51BA10A}">
+      <p15:sldGuideLst xmlns:p15="http://schemas.microsoft.com/office/powerpoint/2012/main">
+        <p15:guide id="1" orient="horz" pos="2160">
+          <p15:clr>
+            <a:srgbClr val="A4A3A4"/>
+          </p15:clr>
+        </p15:guide>
+        <p15:guide id="2" pos="2880">
+          <p15:clr>
+            <a:srgbClr val="A4A3A4"/>
+          </p15:clr>
+        </p15:guide>
+      </p15:sldGuideLst>
+    </p:ext>
+  </p:extLst>
 </p:presentation>
 </file>
 
@@ -1488,12 +1505,12 @@
         </a:fontRef>
       </dsp:style>
       <dsp:txBody>
-        <a:bodyPr spcFirstLastPara="0" vert="horz" wrap="square" lIns="24765" tIns="24765" rIns="24765" bIns="24765" numCol="1" spcCol="1270" anchor="ctr" anchorCtr="0">
+        <a:bodyPr spcFirstLastPara="0" vert="horz" wrap="square" lIns="27305" tIns="27305" rIns="27305" bIns="27305" numCol="1" spcCol="1270" anchor="ctr" anchorCtr="0">
           <a:noAutofit/>
         </a:bodyPr>
         <a:lstStyle/>
         <a:p>
-          <a:pPr lvl="0" algn="ctr" defTabSz="1733550">
+          <a:pPr lvl="0" algn="ctr" defTabSz="1911350">
             <a:lnSpc>
               <a:spcPct val="90000"/>
             </a:lnSpc>
@@ -1505,10 +1522,10 @@
             </a:spcAft>
           </a:pPr>
           <a:r>
-            <a:rPr lang="en-US" sz="3900" kern="1200" dirty="0" smtClean="0"/>
+            <a:rPr lang="en-US" sz="4300" kern="1200" dirty="0" smtClean="0"/>
             <a:t>ML2 Plugin</a:t>
           </a:r>
-          <a:endParaRPr lang="en-US" sz="3900" kern="1200" dirty="0"/>
+          <a:endParaRPr lang="en-US" sz="4300" kern="1200" dirty="0"/>
         </a:p>
       </dsp:txBody>
       <dsp:txXfrm>
@@ -1644,12 +1661,12 @@
         </a:fontRef>
       </dsp:style>
       <dsp:txBody>
-        <a:bodyPr spcFirstLastPara="0" vert="horz" wrap="square" lIns="13335" tIns="13335" rIns="13335" bIns="13335" numCol="1" spcCol="1270" anchor="ctr" anchorCtr="0">
+        <a:bodyPr spcFirstLastPara="0" vert="horz" wrap="square" lIns="14605" tIns="14605" rIns="14605" bIns="14605" numCol="1" spcCol="1270" anchor="ctr" anchorCtr="0">
           <a:noAutofit/>
         </a:bodyPr>
         <a:lstStyle/>
         <a:p>
-          <a:pPr lvl="0" algn="ctr" defTabSz="933450">
+          <a:pPr lvl="0" algn="ctr" defTabSz="1022350">
             <a:lnSpc>
               <a:spcPct val="90000"/>
             </a:lnSpc>
@@ -1661,10 +1678,10 @@
             </a:spcAft>
           </a:pPr>
           <a:r>
-            <a:rPr lang="en-US" sz="2100" kern="1200" dirty="0" smtClean="0"/>
+            <a:rPr lang="en-US" sz="2300" kern="1200" dirty="0" smtClean="0"/>
             <a:t>Type Manager</a:t>
           </a:r>
-          <a:endParaRPr lang="en-US" sz="2100" kern="1200" dirty="0"/>
+          <a:endParaRPr lang="en-US" sz="2300" kern="1200" dirty="0"/>
         </a:p>
       </dsp:txBody>
       <dsp:txXfrm>
@@ -1800,12 +1817,12 @@
         </a:fontRef>
       </dsp:style>
       <dsp:txBody>
-        <a:bodyPr spcFirstLastPara="0" vert="horz" wrap="square" lIns="13335" tIns="13335" rIns="13335" bIns="13335" numCol="1" spcCol="1270" anchor="ctr" anchorCtr="0">
+        <a:bodyPr spcFirstLastPara="0" vert="horz" wrap="square" lIns="14605" tIns="14605" rIns="14605" bIns="14605" numCol="1" spcCol="1270" anchor="ctr" anchorCtr="0">
           <a:noAutofit/>
         </a:bodyPr>
         <a:lstStyle/>
         <a:p>
-          <a:pPr lvl="0" algn="ctr" defTabSz="933450">
+          <a:pPr lvl="0" algn="ctr" defTabSz="1022350">
             <a:lnSpc>
               <a:spcPct val="90000"/>
             </a:lnSpc>
@@ -1817,10 +1834,10 @@
             </a:spcAft>
           </a:pPr>
           <a:r>
-            <a:rPr lang="en-US" sz="2100" kern="1200" dirty="0" smtClean="0"/>
+            <a:rPr lang="en-US" sz="2300" kern="1200" dirty="0" smtClean="0"/>
             <a:t>Mechanism manager</a:t>
           </a:r>
-          <a:endParaRPr lang="en-US" sz="2100" kern="1200" dirty="0"/>
+          <a:endParaRPr lang="en-US" sz="2300" kern="1200" dirty="0"/>
         </a:p>
       </dsp:txBody>
       <dsp:txXfrm>
@@ -1956,12 +1973,12 @@
         </a:fontRef>
       </dsp:style>
       <dsp:txBody>
-        <a:bodyPr spcFirstLastPara="0" vert="horz" wrap="square" lIns="13335" tIns="13335" rIns="13335" bIns="13335" numCol="1" spcCol="1270" anchor="ctr" anchorCtr="0">
+        <a:bodyPr spcFirstLastPara="0" vert="horz" wrap="square" lIns="14605" tIns="14605" rIns="14605" bIns="14605" numCol="1" spcCol="1270" anchor="ctr" anchorCtr="0">
           <a:noAutofit/>
         </a:bodyPr>
         <a:lstStyle/>
         <a:p>
-          <a:pPr lvl="0" algn="ctr" defTabSz="933450">
+          <a:pPr lvl="0" algn="ctr" defTabSz="1022350">
             <a:lnSpc>
               <a:spcPct val="90000"/>
             </a:lnSpc>
@@ -1973,10 +1990,10 @@
             </a:spcAft>
           </a:pPr>
           <a:r>
-            <a:rPr lang="en-US" sz="2100" kern="1200" dirty="0" smtClean="0"/>
+            <a:rPr lang="en-US" sz="2300" kern="1200" dirty="0" smtClean="0"/>
             <a:t>Extension Manager</a:t>
           </a:r>
-          <a:endParaRPr lang="en-US" sz="2100" kern="1200" dirty="0"/>
+          <a:endParaRPr lang="en-US" sz="2300" kern="1200" dirty="0"/>
         </a:p>
       </dsp:txBody>
       <dsp:txXfrm>
@@ -2112,12 +2129,12 @@
         </a:fontRef>
       </dsp:style>
       <dsp:txBody>
-        <a:bodyPr spcFirstLastPara="0" vert="horz" wrap="square" lIns="13335" tIns="13335" rIns="13335" bIns="13335" numCol="1" spcCol="1270" anchor="ctr" anchorCtr="0">
+        <a:bodyPr spcFirstLastPara="0" vert="horz" wrap="square" lIns="14605" tIns="14605" rIns="14605" bIns="14605" numCol="1" spcCol="1270" anchor="ctr" anchorCtr="0">
           <a:noAutofit/>
         </a:bodyPr>
         <a:lstStyle/>
         <a:p>
-          <a:pPr lvl="0" algn="ctr" defTabSz="933450">
+          <a:pPr lvl="0" algn="ctr" defTabSz="1022350">
             <a:lnSpc>
               <a:spcPct val="90000"/>
             </a:lnSpc>
@@ -2129,10 +2146,10 @@
             </a:spcAft>
           </a:pPr>
           <a:r>
-            <a:rPr lang="en-US" sz="2100" kern="1200" dirty="0" smtClean="0"/>
+            <a:rPr lang="en-US" sz="2300" kern="1200" dirty="0" smtClean="0"/>
             <a:t>DB</a:t>
           </a:r>
-          <a:endParaRPr lang="en-US" sz="2100" kern="1200" dirty="0"/>
+          <a:endParaRPr lang="en-US" sz="2300" kern="1200" dirty="0"/>
         </a:p>
       </dsp:txBody>
       <dsp:txXfrm>
@@ -2268,12 +2285,12 @@
         </a:fontRef>
       </dsp:style>
       <dsp:txBody>
-        <a:bodyPr spcFirstLastPara="0" vert="horz" wrap="square" lIns="13335" tIns="13335" rIns="13335" bIns="13335" numCol="1" spcCol="1270" anchor="ctr" anchorCtr="0">
+        <a:bodyPr spcFirstLastPara="0" vert="horz" wrap="square" lIns="14605" tIns="14605" rIns="14605" bIns="14605" numCol="1" spcCol="1270" anchor="ctr" anchorCtr="0">
           <a:noAutofit/>
         </a:bodyPr>
         <a:lstStyle/>
         <a:p>
-          <a:pPr lvl="0" algn="ctr" defTabSz="933450">
+          <a:pPr lvl="0" algn="ctr" defTabSz="1022350">
             <a:lnSpc>
               <a:spcPct val="90000"/>
             </a:lnSpc>
@@ -2285,10 +2302,10 @@
             </a:spcAft>
           </a:pPr>
           <a:r>
-            <a:rPr lang="en-US" sz="2100" kern="1200" dirty="0" smtClean="0"/>
+            <a:rPr lang="en-US" sz="2300" kern="1200" dirty="0" smtClean="0"/>
             <a:t>Neutron Server (WSGI?)</a:t>
           </a:r>
-          <a:endParaRPr lang="en-US" sz="2100" kern="1200" dirty="0"/>
+          <a:endParaRPr lang="en-US" sz="2300" kern="1200" dirty="0"/>
         </a:p>
       </dsp:txBody>
       <dsp:txXfrm>
@@ -3644,7 +3661,7 @@
           <a:p>
             <a:fld id="{9CF103AA-BCEE-446B-9BD2-43E765B5DBA4}" type="datetimeFigureOut">
               <a:rPr lang="en-US" smtClean="0"/>
-              <a:t>8/7/2015</a:t>
+              <a:t>8/7/15</a:t>
             </a:fld>
             <a:endParaRPr lang="en-US"/>
           </a:p>
@@ -4424,6 +4441,3053 @@
       </p:par>
     </p:tnLst>
   </p:timing>
+</p:sldLayout>
+</file>
+
+<file path=ppt/slideLayouts/slideLayout10.xml><?xml version="1.0" encoding="utf-8"?>
+<p:sldLayout xmlns:a="http://schemas.openxmlformats.org/drawingml/2006/main" xmlns:r="http://schemas.openxmlformats.org/officeDocument/2006/relationships" xmlns:p="http://schemas.openxmlformats.org/presentationml/2006/main" type="secHead" preserve="1">
+  <p:cSld name="Section Header">
+    <p:spTree>
+      <p:nvGrpSpPr>
+        <p:cNvPr id="1" name=""/>
+        <p:cNvGrpSpPr/>
+        <p:nvPr/>
+      </p:nvGrpSpPr>
+      <p:grpSpPr>
+        <a:xfrm>
+          <a:off x="0" y="0"/>
+          <a:ext cx="0" cy="0"/>
+          <a:chOff x="0" y="0"/>
+          <a:chExt cx="0" cy="0"/>
+        </a:xfrm>
+      </p:grpSpPr>
+      <p:sp>
+        <p:nvSpPr>
+          <p:cNvPr id="2" name="Title 1"/>
+          <p:cNvSpPr>
+            <a:spLocks noGrp="1"/>
+          </p:cNvSpPr>
+          <p:nvPr>
+            <p:ph type="title"/>
+          </p:nvPr>
+        </p:nvSpPr>
+        <p:spPr>
+          <a:xfrm>
+            <a:off x="722313" y="4406902"/>
+            <a:ext cx="7772400" cy="1362076"/>
+          </a:xfrm>
+        </p:spPr>
+        <p:txBody>
+          <a:bodyPr anchor="t"/>
+          <a:lstStyle>
+            <a:lvl1pPr algn="l">
+              <a:defRPr sz="3333" b="1" cap="all"/>
+            </a:lvl1pPr>
+          </a:lstStyle>
+          <a:p>
+            <a:r>
+              <a:rPr lang="en-US" smtClean="0"/>
+              <a:t>Click to edit Master title style</a:t>
+            </a:r>
+            <a:endParaRPr lang="en-IN"/>
+          </a:p>
+        </p:txBody>
+      </p:sp>
+      <p:sp>
+        <p:nvSpPr>
+          <p:cNvPr id="3" name="Text Placeholder 2"/>
+          <p:cNvSpPr>
+            <a:spLocks noGrp="1"/>
+          </p:cNvSpPr>
+          <p:nvPr>
+            <p:ph type="body" idx="1"/>
+          </p:nvPr>
+        </p:nvSpPr>
+        <p:spPr>
+          <a:xfrm>
+            <a:off x="722313" y="2906713"/>
+            <a:ext cx="7772400" cy="1500187"/>
+          </a:xfrm>
+        </p:spPr>
+        <p:txBody>
+          <a:bodyPr anchor="b"/>
+          <a:lstStyle>
+            <a:lvl1pPr marL="0" indent="0">
+              <a:buNone/>
+              <a:defRPr sz="1667">
+                <a:solidFill>
+                  <a:schemeClr val="tx1">
+                    <a:tint val="75000"/>
+                  </a:schemeClr>
+                </a:solidFill>
+              </a:defRPr>
+            </a:lvl1pPr>
+            <a:lvl2pPr marL="380985" indent="0">
+              <a:buNone/>
+              <a:defRPr sz="1500">
+                <a:solidFill>
+                  <a:schemeClr val="tx1">
+                    <a:tint val="75000"/>
+                  </a:schemeClr>
+                </a:solidFill>
+              </a:defRPr>
+            </a:lvl2pPr>
+            <a:lvl3pPr marL="761970" indent="0">
+              <a:buNone/>
+              <a:defRPr sz="1333">
+                <a:solidFill>
+                  <a:schemeClr val="tx1">
+                    <a:tint val="75000"/>
+                  </a:schemeClr>
+                </a:solidFill>
+              </a:defRPr>
+            </a:lvl3pPr>
+            <a:lvl4pPr marL="1142954" indent="0">
+              <a:buNone/>
+              <a:defRPr sz="1167">
+                <a:solidFill>
+                  <a:schemeClr val="tx1">
+                    <a:tint val="75000"/>
+                  </a:schemeClr>
+                </a:solidFill>
+              </a:defRPr>
+            </a:lvl4pPr>
+            <a:lvl5pPr marL="1523939" indent="0">
+              <a:buNone/>
+              <a:defRPr sz="1167">
+                <a:solidFill>
+                  <a:schemeClr val="tx1">
+                    <a:tint val="75000"/>
+                  </a:schemeClr>
+                </a:solidFill>
+              </a:defRPr>
+            </a:lvl5pPr>
+            <a:lvl6pPr marL="1904924" indent="0">
+              <a:buNone/>
+              <a:defRPr sz="1167">
+                <a:solidFill>
+                  <a:schemeClr val="tx1">
+                    <a:tint val="75000"/>
+                  </a:schemeClr>
+                </a:solidFill>
+              </a:defRPr>
+            </a:lvl6pPr>
+            <a:lvl7pPr marL="2285909" indent="0">
+              <a:buNone/>
+              <a:defRPr sz="1167">
+                <a:solidFill>
+                  <a:schemeClr val="tx1">
+                    <a:tint val="75000"/>
+                  </a:schemeClr>
+                </a:solidFill>
+              </a:defRPr>
+            </a:lvl7pPr>
+            <a:lvl8pPr marL="2666893" indent="0">
+              <a:buNone/>
+              <a:defRPr sz="1167">
+                <a:solidFill>
+                  <a:schemeClr val="tx1">
+                    <a:tint val="75000"/>
+                  </a:schemeClr>
+                </a:solidFill>
+              </a:defRPr>
+            </a:lvl8pPr>
+            <a:lvl9pPr marL="3047878" indent="0">
+              <a:buNone/>
+              <a:defRPr sz="1167">
+                <a:solidFill>
+                  <a:schemeClr val="tx1">
+                    <a:tint val="75000"/>
+                  </a:schemeClr>
+                </a:solidFill>
+              </a:defRPr>
+            </a:lvl9pPr>
+          </a:lstStyle>
+          <a:p>
+            <a:pPr lvl="0"/>
+            <a:r>
+              <a:rPr lang="en-US" smtClean="0"/>
+              <a:t>Click to edit Master text styles</a:t>
+            </a:r>
+          </a:p>
+        </p:txBody>
+      </p:sp>
+      <p:sp>
+        <p:nvSpPr>
+          <p:cNvPr id="4" name="Date Placeholder 3"/>
+          <p:cNvSpPr>
+            <a:spLocks noGrp="1"/>
+          </p:cNvSpPr>
+          <p:nvPr>
+            <p:ph type="dt" sz="half" idx="10"/>
+          </p:nvPr>
+        </p:nvSpPr>
+        <p:spPr/>
+        <p:txBody>
+          <a:bodyPr/>
+          <a:lstStyle/>
+          <a:p>
+            <a:fld id="{41B055C5-C387-4D31-BD66-5AC751BA4401}" type="datetime1">
+              <a:rPr lang="en-IN" smtClean="0"/>
+              <a:t>07/08/15</a:t>
+            </a:fld>
+            <a:endParaRPr lang="en-IN"/>
+          </a:p>
+        </p:txBody>
+      </p:sp>
+      <p:sp>
+        <p:nvSpPr>
+          <p:cNvPr id="5" name="Footer Placeholder 4"/>
+          <p:cNvSpPr>
+            <a:spLocks noGrp="1"/>
+          </p:cNvSpPr>
+          <p:nvPr>
+            <p:ph type="ftr" sz="quarter" idx="11"/>
+          </p:nvPr>
+        </p:nvSpPr>
+        <p:spPr/>
+        <p:txBody>
+          <a:bodyPr/>
+          <a:lstStyle/>
+          <a:p>
+            <a:endParaRPr lang="en-IN"/>
+          </a:p>
+        </p:txBody>
+      </p:sp>
+      <p:sp>
+        <p:nvSpPr>
+          <p:cNvPr id="6" name="Slide Number Placeholder 5"/>
+          <p:cNvSpPr>
+            <a:spLocks noGrp="1"/>
+          </p:cNvSpPr>
+          <p:nvPr>
+            <p:ph type="sldNum" sz="quarter" idx="12"/>
+          </p:nvPr>
+        </p:nvSpPr>
+        <p:spPr/>
+        <p:txBody>
+          <a:bodyPr/>
+          <a:lstStyle/>
+          <a:p>
+            <a:fld id="{00000000-1234-1234-1234-123412341234}" type="slidenum">
+              <a:rPr lang="en" smtClean="0"/>
+              <a:pPr/>
+              <a:t>‹#›</a:t>
+            </a:fld>
+            <a:endParaRPr lang="en"/>
+          </a:p>
+        </p:txBody>
+      </p:sp>
+      <p:sp>
+        <p:nvSpPr>
+          <p:cNvPr id="7" name="Rectangle 6"/>
+          <p:cNvSpPr/>
+          <p:nvPr/>
+        </p:nvSpPr>
+        <p:spPr>
+          <a:xfrm>
+            <a:off x="9036498" y="0"/>
+            <a:ext cx="107503" cy="6858000"/>
+          </a:xfrm>
+          <a:prstGeom prst="rect">
+            <a:avLst/>
+          </a:prstGeom>
+          <a:gradFill>
+            <a:gsLst>
+              <a:gs pos="0">
+                <a:schemeClr val="accent6">
+                  <a:lumMod val="75000"/>
+                </a:schemeClr>
+              </a:gs>
+              <a:gs pos="50000">
+                <a:schemeClr val="accent6">
+                  <a:lumMod val="60000"/>
+                  <a:lumOff val="40000"/>
+                </a:schemeClr>
+              </a:gs>
+              <a:gs pos="100000">
+                <a:schemeClr val="accent6">
+                  <a:lumMod val="40000"/>
+                  <a:lumOff val="60000"/>
+                  <a:alpha val="69000"/>
+                </a:schemeClr>
+              </a:gs>
+            </a:gsLst>
+            <a:lin ang="5400000" scaled="0"/>
+          </a:gradFill>
+          <a:ln>
+            <a:noFill/>
+          </a:ln>
+        </p:spPr>
+        <p:style>
+          <a:lnRef idx="2">
+            <a:schemeClr val="accent1">
+              <a:shade val="50000"/>
+            </a:schemeClr>
+          </a:lnRef>
+          <a:fillRef idx="1">
+            <a:schemeClr val="accent1"/>
+          </a:fillRef>
+          <a:effectRef idx="0">
+            <a:schemeClr val="accent1"/>
+          </a:effectRef>
+          <a:fontRef idx="minor">
+            <a:schemeClr val="lt1"/>
+          </a:fontRef>
+        </p:style>
+        <p:txBody>
+          <a:bodyPr rtlCol="0" anchor="ctr"/>
+          <a:lstStyle/>
+          <a:p>
+            <a:pPr algn="ctr"/>
+            <a:endParaRPr lang="en-IN" sz="1167"/>
+          </a:p>
+        </p:txBody>
+      </p:sp>
+    </p:spTree>
+    <p:extLst>
+      <p:ext uri="{BB962C8B-B14F-4D97-AF65-F5344CB8AC3E}">
+        <p14:creationId xmlns:p14="http://schemas.microsoft.com/office/powerpoint/2010/main" val="1230769829"/>
+      </p:ext>
+    </p:extLst>
+  </p:cSld>
+  <p:clrMapOvr>
+    <a:masterClrMapping/>
+  </p:clrMapOvr>
+</p:sldLayout>
+</file>
+
+<file path=ppt/slideLayouts/slideLayout11.xml><?xml version="1.0" encoding="utf-8"?>
+<p:sldLayout xmlns:a="http://schemas.openxmlformats.org/drawingml/2006/main" xmlns:r="http://schemas.openxmlformats.org/officeDocument/2006/relationships" xmlns:p="http://schemas.openxmlformats.org/presentationml/2006/main" type="twoObj" preserve="1">
+  <p:cSld name="Two Content">
+    <p:spTree>
+      <p:nvGrpSpPr>
+        <p:cNvPr id="1" name=""/>
+        <p:cNvGrpSpPr/>
+        <p:nvPr/>
+      </p:nvGrpSpPr>
+      <p:grpSpPr>
+        <a:xfrm>
+          <a:off x="0" y="0"/>
+          <a:ext cx="0" cy="0"/>
+          <a:chOff x="0" y="0"/>
+          <a:chExt cx="0" cy="0"/>
+        </a:xfrm>
+      </p:grpSpPr>
+      <p:sp>
+        <p:nvSpPr>
+          <p:cNvPr id="2" name="Title 1"/>
+          <p:cNvSpPr>
+            <a:spLocks noGrp="1"/>
+          </p:cNvSpPr>
+          <p:nvPr>
+            <p:ph type="title"/>
+          </p:nvPr>
+        </p:nvSpPr>
+        <p:spPr/>
+        <p:txBody>
+          <a:bodyPr/>
+          <a:lstStyle/>
+          <a:p>
+            <a:r>
+              <a:rPr lang="en-US" smtClean="0"/>
+              <a:t>Click to edit Master title style</a:t>
+            </a:r>
+            <a:endParaRPr lang="en-IN"/>
+          </a:p>
+        </p:txBody>
+      </p:sp>
+      <p:sp>
+        <p:nvSpPr>
+          <p:cNvPr id="3" name="Content Placeholder 2"/>
+          <p:cNvSpPr>
+            <a:spLocks noGrp="1"/>
+          </p:cNvSpPr>
+          <p:nvPr>
+            <p:ph sz="half" idx="1"/>
+          </p:nvPr>
+        </p:nvSpPr>
+        <p:spPr>
+          <a:xfrm>
+            <a:off x="457200" y="1600201"/>
+            <a:ext cx="4038600" cy="4525963"/>
+          </a:xfrm>
+        </p:spPr>
+        <p:txBody>
+          <a:bodyPr/>
+          <a:lstStyle>
+            <a:lvl1pPr>
+              <a:defRPr sz="2333"/>
+            </a:lvl1pPr>
+            <a:lvl2pPr>
+              <a:defRPr sz="2000"/>
+            </a:lvl2pPr>
+            <a:lvl3pPr>
+              <a:defRPr sz="1667"/>
+            </a:lvl3pPr>
+            <a:lvl4pPr>
+              <a:defRPr sz="1500"/>
+            </a:lvl4pPr>
+            <a:lvl5pPr>
+              <a:defRPr sz="1500"/>
+            </a:lvl5pPr>
+            <a:lvl6pPr>
+              <a:defRPr sz="1500"/>
+            </a:lvl6pPr>
+            <a:lvl7pPr>
+              <a:defRPr sz="1500"/>
+            </a:lvl7pPr>
+            <a:lvl8pPr>
+              <a:defRPr sz="1500"/>
+            </a:lvl8pPr>
+            <a:lvl9pPr>
+              <a:defRPr sz="1500"/>
+            </a:lvl9pPr>
+          </a:lstStyle>
+          <a:p>
+            <a:pPr lvl="0"/>
+            <a:r>
+              <a:rPr lang="en-US" smtClean="0"/>
+              <a:t>Click to edit Master text styles</a:t>
+            </a:r>
+          </a:p>
+          <a:p>
+            <a:pPr lvl="1"/>
+            <a:r>
+              <a:rPr lang="en-US" smtClean="0"/>
+              <a:t>Second level</a:t>
+            </a:r>
+          </a:p>
+          <a:p>
+            <a:pPr lvl="2"/>
+            <a:r>
+              <a:rPr lang="en-US" smtClean="0"/>
+              <a:t>Third level</a:t>
+            </a:r>
+          </a:p>
+          <a:p>
+            <a:pPr lvl="3"/>
+            <a:r>
+              <a:rPr lang="en-US" smtClean="0"/>
+              <a:t>Fourth level</a:t>
+            </a:r>
+          </a:p>
+          <a:p>
+            <a:pPr lvl="4"/>
+            <a:r>
+              <a:rPr lang="en-US" smtClean="0"/>
+              <a:t>Fifth level</a:t>
+            </a:r>
+            <a:endParaRPr lang="en-IN"/>
+          </a:p>
+        </p:txBody>
+      </p:sp>
+      <p:sp>
+        <p:nvSpPr>
+          <p:cNvPr id="4" name="Content Placeholder 3"/>
+          <p:cNvSpPr>
+            <a:spLocks noGrp="1"/>
+          </p:cNvSpPr>
+          <p:nvPr>
+            <p:ph sz="half" idx="2"/>
+          </p:nvPr>
+        </p:nvSpPr>
+        <p:spPr>
+          <a:xfrm>
+            <a:off x="4648200" y="1600201"/>
+            <a:ext cx="4038600" cy="4525963"/>
+          </a:xfrm>
+        </p:spPr>
+        <p:txBody>
+          <a:bodyPr/>
+          <a:lstStyle>
+            <a:lvl1pPr>
+              <a:defRPr sz="2333"/>
+            </a:lvl1pPr>
+            <a:lvl2pPr>
+              <a:defRPr sz="2000"/>
+            </a:lvl2pPr>
+            <a:lvl3pPr>
+              <a:defRPr sz="1667"/>
+            </a:lvl3pPr>
+            <a:lvl4pPr>
+              <a:defRPr sz="1500"/>
+            </a:lvl4pPr>
+            <a:lvl5pPr>
+              <a:defRPr sz="1500"/>
+            </a:lvl5pPr>
+            <a:lvl6pPr>
+              <a:defRPr sz="1500"/>
+            </a:lvl6pPr>
+            <a:lvl7pPr>
+              <a:defRPr sz="1500"/>
+            </a:lvl7pPr>
+            <a:lvl8pPr>
+              <a:defRPr sz="1500"/>
+            </a:lvl8pPr>
+            <a:lvl9pPr>
+              <a:defRPr sz="1500"/>
+            </a:lvl9pPr>
+          </a:lstStyle>
+          <a:p>
+            <a:pPr lvl="0"/>
+            <a:r>
+              <a:rPr lang="en-US" smtClean="0"/>
+              <a:t>Click to edit Master text styles</a:t>
+            </a:r>
+          </a:p>
+          <a:p>
+            <a:pPr lvl="1"/>
+            <a:r>
+              <a:rPr lang="en-US" smtClean="0"/>
+              <a:t>Second level</a:t>
+            </a:r>
+          </a:p>
+          <a:p>
+            <a:pPr lvl="2"/>
+            <a:r>
+              <a:rPr lang="en-US" smtClean="0"/>
+              <a:t>Third level</a:t>
+            </a:r>
+          </a:p>
+          <a:p>
+            <a:pPr lvl="3"/>
+            <a:r>
+              <a:rPr lang="en-US" smtClean="0"/>
+              <a:t>Fourth level</a:t>
+            </a:r>
+          </a:p>
+          <a:p>
+            <a:pPr lvl="4"/>
+            <a:r>
+              <a:rPr lang="en-US" smtClean="0"/>
+              <a:t>Fifth level</a:t>
+            </a:r>
+            <a:endParaRPr lang="en-IN"/>
+          </a:p>
+        </p:txBody>
+      </p:sp>
+      <p:sp>
+        <p:nvSpPr>
+          <p:cNvPr id="5" name="Date Placeholder 4"/>
+          <p:cNvSpPr>
+            <a:spLocks noGrp="1"/>
+          </p:cNvSpPr>
+          <p:nvPr>
+            <p:ph type="dt" sz="half" idx="10"/>
+          </p:nvPr>
+        </p:nvSpPr>
+        <p:spPr/>
+        <p:txBody>
+          <a:bodyPr/>
+          <a:lstStyle/>
+          <a:p>
+            <a:fld id="{27278528-4F09-47AB-BE77-44F6F5791C08}" type="datetime1">
+              <a:rPr lang="en-IN" smtClean="0"/>
+              <a:t>07/08/15</a:t>
+            </a:fld>
+            <a:endParaRPr lang="en-IN"/>
+          </a:p>
+        </p:txBody>
+      </p:sp>
+      <p:sp>
+        <p:nvSpPr>
+          <p:cNvPr id="6" name="Footer Placeholder 5"/>
+          <p:cNvSpPr>
+            <a:spLocks noGrp="1"/>
+          </p:cNvSpPr>
+          <p:nvPr>
+            <p:ph type="ftr" sz="quarter" idx="11"/>
+          </p:nvPr>
+        </p:nvSpPr>
+        <p:spPr/>
+        <p:txBody>
+          <a:bodyPr/>
+          <a:lstStyle/>
+          <a:p>
+            <a:endParaRPr lang="en-IN"/>
+          </a:p>
+        </p:txBody>
+      </p:sp>
+      <p:sp>
+        <p:nvSpPr>
+          <p:cNvPr id="7" name="Slide Number Placeholder 6"/>
+          <p:cNvSpPr>
+            <a:spLocks noGrp="1"/>
+          </p:cNvSpPr>
+          <p:nvPr>
+            <p:ph type="sldNum" sz="quarter" idx="12"/>
+          </p:nvPr>
+        </p:nvSpPr>
+        <p:spPr/>
+        <p:txBody>
+          <a:bodyPr/>
+          <a:lstStyle/>
+          <a:p>
+            <a:fld id="{00000000-1234-1234-1234-123412341234}" type="slidenum">
+              <a:rPr lang="en" smtClean="0"/>
+              <a:pPr/>
+              <a:t>‹#›</a:t>
+            </a:fld>
+            <a:endParaRPr lang="en"/>
+          </a:p>
+        </p:txBody>
+      </p:sp>
+      <p:sp>
+        <p:nvSpPr>
+          <p:cNvPr id="8" name="Rectangle 7"/>
+          <p:cNvSpPr/>
+          <p:nvPr/>
+        </p:nvSpPr>
+        <p:spPr>
+          <a:xfrm>
+            <a:off x="9036498" y="0"/>
+            <a:ext cx="107503" cy="6858000"/>
+          </a:xfrm>
+          <a:prstGeom prst="rect">
+            <a:avLst/>
+          </a:prstGeom>
+          <a:gradFill>
+            <a:gsLst>
+              <a:gs pos="0">
+                <a:schemeClr val="accent6">
+                  <a:lumMod val="75000"/>
+                </a:schemeClr>
+              </a:gs>
+              <a:gs pos="50000">
+                <a:schemeClr val="accent6">
+                  <a:lumMod val="60000"/>
+                  <a:lumOff val="40000"/>
+                </a:schemeClr>
+              </a:gs>
+              <a:gs pos="100000">
+                <a:schemeClr val="accent6">
+                  <a:lumMod val="40000"/>
+                  <a:lumOff val="60000"/>
+                  <a:alpha val="69000"/>
+                </a:schemeClr>
+              </a:gs>
+            </a:gsLst>
+            <a:lin ang="5400000" scaled="0"/>
+          </a:gradFill>
+          <a:ln>
+            <a:noFill/>
+          </a:ln>
+        </p:spPr>
+        <p:style>
+          <a:lnRef idx="2">
+            <a:schemeClr val="accent1">
+              <a:shade val="50000"/>
+            </a:schemeClr>
+          </a:lnRef>
+          <a:fillRef idx="1">
+            <a:schemeClr val="accent1"/>
+          </a:fillRef>
+          <a:effectRef idx="0">
+            <a:schemeClr val="accent1"/>
+          </a:effectRef>
+          <a:fontRef idx="minor">
+            <a:schemeClr val="lt1"/>
+          </a:fontRef>
+        </p:style>
+        <p:txBody>
+          <a:bodyPr rtlCol="0" anchor="ctr"/>
+          <a:lstStyle/>
+          <a:p>
+            <a:pPr algn="ctr"/>
+            <a:endParaRPr lang="en-IN" sz="1167"/>
+          </a:p>
+        </p:txBody>
+      </p:sp>
+      <p:sp>
+        <p:nvSpPr>
+          <p:cNvPr id="9" name="Rectangle 8"/>
+          <p:cNvSpPr/>
+          <p:nvPr/>
+        </p:nvSpPr>
+        <p:spPr>
+          <a:xfrm rot="10800000" flipV="1">
+            <a:off x="107505" y="702924"/>
+            <a:ext cx="8928991" cy="61780"/>
+          </a:xfrm>
+          <a:prstGeom prst="rect">
+            <a:avLst/>
+          </a:prstGeom>
+          <a:gradFill flip="none" rotWithShape="1">
+            <a:gsLst>
+              <a:gs pos="0">
+                <a:schemeClr val="accent6">
+                  <a:lumMod val="75000"/>
+                </a:schemeClr>
+              </a:gs>
+              <a:gs pos="50000">
+                <a:schemeClr val="accent6">
+                  <a:lumMod val="60000"/>
+                  <a:lumOff val="40000"/>
+                </a:schemeClr>
+              </a:gs>
+              <a:gs pos="100000">
+                <a:schemeClr val="accent6">
+                  <a:lumMod val="40000"/>
+                  <a:lumOff val="60000"/>
+                  <a:alpha val="0"/>
+                </a:schemeClr>
+              </a:gs>
+            </a:gsLst>
+            <a:lin ang="0" scaled="1"/>
+            <a:tileRect/>
+          </a:gradFill>
+          <a:ln>
+            <a:noFill/>
+          </a:ln>
+        </p:spPr>
+        <p:style>
+          <a:lnRef idx="2">
+            <a:schemeClr val="accent1">
+              <a:shade val="50000"/>
+            </a:schemeClr>
+          </a:lnRef>
+          <a:fillRef idx="1">
+            <a:schemeClr val="accent1"/>
+          </a:fillRef>
+          <a:effectRef idx="0">
+            <a:schemeClr val="accent1"/>
+          </a:effectRef>
+          <a:fontRef idx="minor">
+            <a:schemeClr val="lt1"/>
+          </a:fontRef>
+        </p:style>
+        <p:txBody>
+          <a:bodyPr rtlCol="0" anchor="ctr"/>
+          <a:lstStyle/>
+          <a:p>
+            <a:pPr algn="ctr"/>
+            <a:endParaRPr lang="en-IN" sz="1800"/>
+          </a:p>
+        </p:txBody>
+      </p:sp>
+    </p:spTree>
+    <p:extLst>
+      <p:ext uri="{BB962C8B-B14F-4D97-AF65-F5344CB8AC3E}">
+        <p14:creationId xmlns:p14="http://schemas.microsoft.com/office/powerpoint/2010/main" val="172623403"/>
+      </p:ext>
+    </p:extLst>
+  </p:cSld>
+  <p:clrMapOvr>
+    <a:masterClrMapping/>
+  </p:clrMapOvr>
+</p:sldLayout>
+</file>
+
+<file path=ppt/slideLayouts/slideLayout12.xml><?xml version="1.0" encoding="utf-8"?>
+<p:sldLayout xmlns:a="http://schemas.openxmlformats.org/drawingml/2006/main" xmlns:r="http://schemas.openxmlformats.org/officeDocument/2006/relationships" xmlns:p="http://schemas.openxmlformats.org/presentationml/2006/main" type="twoTxTwoObj" preserve="1">
+  <p:cSld name="Comparison">
+    <p:spTree>
+      <p:nvGrpSpPr>
+        <p:cNvPr id="1" name=""/>
+        <p:cNvGrpSpPr/>
+        <p:nvPr/>
+      </p:nvGrpSpPr>
+      <p:grpSpPr>
+        <a:xfrm>
+          <a:off x="0" y="0"/>
+          <a:ext cx="0" cy="0"/>
+          <a:chOff x="0" y="0"/>
+          <a:chExt cx="0" cy="0"/>
+        </a:xfrm>
+      </p:grpSpPr>
+      <p:sp>
+        <p:nvSpPr>
+          <p:cNvPr id="2" name="Title 1"/>
+          <p:cNvSpPr>
+            <a:spLocks noGrp="1"/>
+          </p:cNvSpPr>
+          <p:nvPr>
+            <p:ph type="title"/>
+          </p:nvPr>
+        </p:nvSpPr>
+        <p:spPr/>
+        <p:txBody>
+          <a:bodyPr/>
+          <a:lstStyle>
+            <a:lvl1pPr>
+              <a:defRPr/>
+            </a:lvl1pPr>
+          </a:lstStyle>
+          <a:p>
+            <a:r>
+              <a:rPr lang="en-US" smtClean="0"/>
+              <a:t>Click to edit Master title style</a:t>
+            </a:r>
+            <a:endParaRPr lang="en-IN"/>
+          </a:p>
+        </p:txBody>
+      </p:sp>
+      <p:sp>
+        <p:nvSpPr>
+          <p:cNvPr id="3" name="Text Placeholder 2"/>
+          <p:cNvSpPr>
+            <a:spLocks noGrp="1"/>
+          </p:cNvSpPr>
+          <p:nvPr>
+            <p:ph type="body" idx="1"/>
+          </p:nvPr>
+        </p:nvSpPr>
+        <p:spPr>
+          <a:xfrm>
+            <a:off x="457200" y="1535114"/>
+            <a:ext cx="4040188" cy="639762"/>
+          </a:xfrm>
+        </p:spPr>
+        <p:txBody>
+          <a:bodyPr anchor="b"/>
+          <a:lstStyle>
+            <a:lvl1pPr marL="0" indent="0">
+              <a:buNone/>
+              <a:defRPr sz="2000" b="1"/>
+            </a:lvl1pPr>
+            <a:lvl2pPr marL="380985" indent="0">
+              <a:buNone/>
+              <a:defRPr sz="1667" b="1"/>
+            </a:lvl2pPr>
+            <a:lvl3pPr marL="761970" indent="0">
+              <a:buNone/>
+              <a:defRPr sz="1500" b="1"/>
+            </a:lvl3pPr>
+            <a:lvl4pPr marL="1142954" indent="0">
+              <a:buNone/>
+              <a:defRPr sz="1333" b="1"/>
+            </a:lvl4pPr>
+            <a:lvl5pPr marL="1523939" indent="0">
+              <a:buNone/>
+              <a:defRPr sz="1333" b="1"/>
+            </a:lvl5pPr>
+            <a:lvl6pPr marL="1904924" indent="0">
+              <a:buNone/>
+              <a:defRPr sz="1333" b="1"/>
+            </a:lvl6pPr>
+            <a:lvl7pPr marL="2285909" indent="0">
+              <a:buNone/>
+              <a:defRPr sz="1333" b="1"/>
+            </a:lvl7pPr>
+            <a:lvl8pPr marL="2666893" indent="0">
+              <a:buNone/>
+              <a:defRPr sz="1333" b="1"/>
+            </a:lvl8pPr>
+            <a:lvl9pPr marL="3047878" indent="0">
+              <a:buNone/>
+              <a:defRPr sz="1333" b="1"/>
+            </a:lvl9pPr>
+          </a:lstStyle>
+          <a:p>
+            <a:pPr lvl="0"/>
+            <a:r>
+              <a:rPr lang="en-US" smtClean="0"/>
+              <a:t>Click to edit Master text styles</a:t>
+            </a:r>
+          </a:p>
+        </p:txBody>
+      </p:sp>
+      <p:sp>
+        <p:nvSpPr>
+          <p:cNvPr id="4" name="Content Placeholder 3"/>
+          <p:cNvSpPr>
+            <a:spLocks noGrp="1"/>
+          </p:cNvSpPr>
+          <p:nvPr>
+            <p:ph sz="half" idx="2"/>
+          </p:nvPr>
+        </p:nvSpPr>
+        <p:spPr>
+          <a:xfrm>
+            <a:off x="457200" y="2174875"/>
+            <a:ext cx="4040188" cy="3951288"/>
+          </a:xfrm>
+        </p:spPr>
+        <p:txBody>
+          <a:bodyPr/>
+          <a:lstStyle>
+            <a:lvl1pPr>
+              <a:defRPr sz="2000"/>
+            </a:lvl1pPr>
+            <a:lvl2pPr>
+              <a:defRPr sz="1667"/>
+            </a:lvl2pPr>
+            <a:lvl3pPr>
+              <a:defRPr sz="1500"/>
+            </a:lvl3pPr>
+            <a:lvl4pPr>
+              <a:defRPr sz="1333"/>
+            </a:lvl4pPr>
+            <a:lvl5pPr>
+              <a:defRPr sz="1333"/>
+            </a:lvl5pPr>
+            <a:lvl6pPr>
+              <a:defRPr sz="1333"/>
+            </a:lvl6pPr>
+            <a:lvl7pPr>
+              <a:defRPr sz="1333"/>
+            </a:lvl7pPr>
+            <a:lvl8pPr>
+              <a:defRPr sz="1333"/>
+            </a:lvl8pPr>
+            <a:lvl9pPr>
+              <a:defRPr sz="1333"/>
+            </a:lvl9pPr>
+          </a:lstStyle>
+          <a:p>
+            <a:pPr lvl="0"/>
+            <a:r>
+              <a:rPr lang="en-US" smtClean="0"/>
+              <a:t>Click to edit Master text styles</a:t>
+            </a:r>
+          </a:p>
+          <a:p>
+            <a:pPr lvl="1"/>
+            <a:r>
+              <a:rPr lang="en-US" smtClean="0"/>
+              <a:t>Second level</a:t>
+            </a:r>
+          </a:p>
+          <a:p>
+            <a:pPr lvl="2"/>
+            <a:r>
+              <a:rPr lang="en-US" smtClean="0"/>
+              <a:t>Third level</a:t>
+            </a:r>
+          </a:p>
+          <a:p>
+            <a:pPr lvl="3"/>
+            <a:r>
+              <a:rPr lang="en-US" smtClean="0"/>
+              <a:t>Fourth level</a:t>
+            </a:r>
+          </a:p>
+          <a:p>
+            <a:pPr lvl="4"/>
+            <a:r>
+              <a:rPr lang="en-US" smtClean="0"/>
+              <a:t>Fifth level</a:t>
+            </a:r>
+            <a:endParaRPr lang="en-IN"/>
+          </a:p>
+        </p:txBody>
+      </p:sp>
+      <p:sp>
+        <p:nvSpPr>
+          <p:cNvPr id="5" name="Text Placeholder 4"/>
+          <p:cNvSpPr>
+            <a:spLocks noGrp="1"/>
+          </p:cNvSpPr>
+          <p:nvPr>
+            <p:ph type="body" sz="quarter" idx="3"/>
+          </p:nvPr>
+        </p:nvSpPr>
+        <p:spPr>
+          <a:xfrm>
+            <a:off x="4645027" y="1535114"/>
+            <a:ext cx="4041775" cy="639762"/>
+          </a:xfrm>
+        </p:spPr>
+        <p:txBody>
+          <a:bodyPr anchor="b"/>
+          <a:lstStyle>
+            <a:lvl1pPr marL="0" indent="0">
+              <a:buNone/>
+              <a:defRPr sz="2000" b="1"/>
+            </a:lvl1pPr>
+            <a:lvl2pPr marL="380985" indent="0">
+              <a:buNone/>
+              <a:defRPr sz="1667" b="1"/>
+            </a:lvl2pPr>
+            <a:lvl3pPr marL="761970" indent="0">
+              <a:buNone/>
+              <a:defRPr sz="1500" b="1"/>
+            </a:lvl3pPr>
+            <a:lvl4pPr marL="1142954" indent="0">
+              <a:buNone/>
+              <a:defRPr sz="1333" b="1"/>
+            </a:lvl4pPr>
+            <a:lvl5pPr marL="1523939" indent="0">
+              <a:buNone/>
+              <a:defRPr sz="1333" b="1"/>
+            </a:lvl5pPr>
+            <a:lvl6pPr marL="1904924" indent="0">
+              <a:buNone/>
+              <a:defRPr sz="1333" b="1"/>
+            </a:lvl6pPr>
+            <a:lvl7pPr marL="2285909" indent="0">
+              <a:buNone/>
+              <a:defRPr sz="1333" b="1"/>
+            </a:lvl7pPr>
+            <a:lvl8pPr marL="2666893" indent="0">
+              <a:buNone/>
+              <a:defRPr sz="1333" b="1"/>
+            </a:lvl8pPr>
+            <a:lvl9pPr marL="3047878" indent="0">
+              <a:buNone/>
+              <a:defRPr sz="1333" b="1"/>
+            </a:lvl9pPr>
+          </a:lstStyle>
+          <a:p>
+            <a:pPr lvl="0"/>
+            <a:r>
+              <a:rPr lang="en-US" smtClean="0"/>
+              <a:t>Click to edit Master text styles</a:t>
+            </a:r>
+          </a:p>
+        </p:txBody>
+      </p:sp>
+      <p:sp>
+        <p:nvSpPr>
+          <p:cNvPr id="6" name="Content Placeholder 5"/>
+          <p:cNvSpPr>
+            <a:spLocks noGrp="1"/>
+          </p:cNvSpPr>
+          <p:nvPr>
+            <p:ph sz="quarter" idx="4"/>
+          </p:nvPr>
+        </p:nvSpPr>
+        <p:spPr>
+          <a:xfrm>
+            <a:off x="4645027" y="2174875"/>
+            <a:ext cx="4041775" cy="3951288"/>
+          </a:xfrm>
+        </p:spPr>
+        <p:txBody>
+          <a:bodyPr/>
+          <a:lstStyle>
+            <a:lvl1pPr>
+              <a:defRPr sz="2000"/>
+            </a:lvl1pPr>
+            <a:lvl2pPr>
+              <a:defRPr sz="1667"/>
+            </a:lvl2pPr>
+            <a:lvl3pPr>
+              <a:defRPr sz="1500"/>
+            </a:lvl3pPr>
+            <a:lvl4pPr>
+              <a:defRPr sz="1333"/>
+            </a:lvl4pPr>
+            <a:lvl5pPr>
+              <a:defRPr sz="1333"/>
+            </a:lvl5pPr>
+            <a:lvl6pPr>
+              <a:defRPr sz="1333"/>
+            </a:lvl6pPr>
+            <a:lvl7pPr>
+              <a:defRPr sz="1333"/>
+            </a:lvl7pPr>
+            <a:lvl8pPr>
+              <a:defRPr sz="1333"/>
+            </a:lvl8pPr>
+            <a:lvl9pPr>
+              <a:defRPr sz="1333"/>
+            </a:lvl9pPr>
+          </a:lstStyle>
+          <a:p>
+            <a:pPr lvl="0"/>
+            <a:r>
+              <a:rPr lang="en-US" smtClean="0"/>
+              <a:t>Click to edit Master text styles</a:t>
+            </a:r>
+          </a:p>
+          <a:p>
+            <a:pPr lvl="1"/>
+            <a:r>
+              <a:rPr lang="en-US" smtClean="0"/>
+              <a:t>Second level</a:t>
+            </a:r>
+          </a:p>
+          <a:p>
+            <a:pPr lvl="2"/>
+            <a:r>
+              <a:rPr lang="en-US" smtClean="0"/>
+              <a:t>Third level</a:t>
+            </a:r>
+          </a:p>
+          <a:p>
+            <a:pPr lvl="3"/>
+            <a:r>
+              <a:rPr lang="en-US" smtClean="0"/>
+              <a:t>Fourth level</a:t>
+            </a:r>
+          </a:p>
+          <a:p>
+            <a:pPr lvl="4"/>
+            <a:r>
+              <a:rPr lang="en-US" smtClean="0"/>
+              <a:t>Fifth level</a:t>
+            </a:r>
+            <a:endParaRPr lang="en-IN"/>
+          </a:p>
+        </p:txBody>
+      </p:sp>
+      <p:sp>
+        <p:nvSpPr>
+          <p:cNvPr id="7" name="Date Placeholder 6"/>
+          <p:cNvSpPr>
+            <a:spLocks noGrp="1"/>
+          </p:cNvSpPr>
+          <p:nvPr>
+            <p:ph type="dt" sz="half" idx="10"/>
+          </p:nvPr>
+        </p:nvSpPr>
+        <p:spPr/>
+        <p:txBody>
+          <a:bodyPr/>
+          <a:lstStyle/>
+          <a:p>
+            <a:fld id="{16D6C0F7-3FCC-433C-A5BA-F3B5882BD405}" type="datetime1">
+              <a:rPr lang="en-IN" smtClean="0"/>
+              <a:t>07/08/15</a:t>
+            </a:fld>
+            <a:endParaRPr lang="en-IN"/>
+          </a:p>
+        </p:txBody>
+      </p:sp>
+      <p:sp>
+        <p:nvSpPr>
+          <p:cNvPr id="8" name="Footer Placeholder 7"/>
+          <p:cNvSpPr>
+            <a:spLocks noGrp="1"/>
+          </p:cNvSpPr>
+          <p:nvPr>
+            <p:ph type="ftr" sz="quarter" idx="11"/>
+          </p:nvPr>
+        </p:nvSpPr>
+        <p:spPr/>
+        <p:txBody>
+          <a:bodyPr/>
+          <a:lstStyle/>
+          <a:p>
+            <a:endParaRPr lang="en-IN"/>
+          </a:p>
+        </p:txBody>
+      </p:sp>
+      <p:sp>
+        <p:nvSpPr>
+          <p:cNvPr id="9" name="Slide Number Placeholder 8"/>
+          <p:cNvSpPr>
+            <a:spLocks noGrp="1"/>
+          </p:cNvSpPr>
+          <p:nvPr>
+            <p:ph type="sldNum" sz="quarter" idx="12"/>
+          </p:nvPr>
+        </p:nvSpPr>
+        <p:spPr/>
+        <p:txBody>
+          <a:bodyPr/>
+          <a:lstStyle/>
+          <a:p>
+            <a:fld id="{00000000-1234-1234-1234-123412341234}" type="slidenum">
+              <a:rPr lang="en" smtClean="0"/>
+              <a:pPr/>
+              <a:t>‹#›</a:t>
+            </a:fld>
+            <a:endParaRPr lang="en"/>
+          </a:p>
+        </p:txBody>
+      </p:sp>
+      <p:sp>
+        <p:nvSpPr>
+          <p:cNvPr id="10" name="Rectangle 9"/>
+          <p:cNvSpPr/>
+          <p:nvPr/>
+        </p:nvSpPr>
+        <p:spPr>
+          <a:xfrm>
+            <a:off x="9036498" y="0"/>
+            <a:ext cx="107503" cy="6858000"/>
+          </a:xfrm>
+          <a:prstGeom prst="rect">
+            <a:avLst/>
+          </a:prstGeom>
+          <a:gradFill>
+            <a:gsLst>
+              <a:gs pos="0">
+                <a:schemeClr val="accent6">
+                  <a:lumMod val="75000"/>
+                </a:schemeClr>
+              </a:gs>
+              <a:gs pos="50000">
+                <a:schemeClr val="accent6">
+                  <a:lumMod val="60000"/>
+                  <a:lumOff val="40000"/>
+                </a:schemeClr>
+              </a:gs>
+              <a:gs pos="100000">
+                <a:schemeClr val="accent6">
+                  <a:lumMod val="40000"/>
+                  <a:lumOff val="60000"/>
+                  <a:alpha val="69000"/>
+                </a:schemeClr>
+              </a:gs>
+            </a:gsLst>
+            <a:lin ang="5400000" scaled="0"/>
+          </a:gradFill>
+          <a:ln>
+            <a:noFill/>
+          </a:ln>
+        </p:spPr>
+        <p:style>
+          <a:lnRef idx="2">
+            <a:schemeClr val="accent1">
+              <a:shade val="50000"/>
+            </a:schemeClr>
+          </a:lnRef>
+          <a:fillRef idx="1">
+            <a:schemeClr val="accent1"/>
+          </a:fillRef>
+          <a:effectRef idx="0">
+            <a:schemeClr val="accent1"/>
+          </a:effectRef>
+          <a:fontRef idx="minor">
+            <a:schemeClr val="lt1"/>
+          </a:fontRef>
+        </p:style>
+        <p:txBody>
+          <a:bodyPr rtlCol="0" anchor="ctr"/>
+          <a:lstStyle/>
+          <a:p>
+            <a:pPr algn="ctr"/>
+            <a:endParaRPr lang="en-IN" sz="1167"/>
+          </a:p>
+        </p:txBody>
+      </p:sp>
+      <p:sp>
+        <p:nvSpPr>
+          <p:cNvPr id="11" name="Rectangle 10"/>
+          <p:cNvSpPr/>
+          <p:nvPr/>
+        </p:nvSpPr>
+        <p:spPr>
+          <a:xfrm rot="10800000" flipV="1">
+            <a:off x="107505" y="702924"/>
+            <a:ext cx="8928991" cy="61780"/>
+          </a:xfrm>
+          <a:prstGeom prst="rect">
+            <a:avLst/>
+          </a:prstGeom>
+          <a:gradFill flip="none" rotWithShape="1">
+            <a:gsLst>
+              <a:gs pos="0">
+                <a:schemeClr val="accent6">
+                  <a:lumMod val="75000"/>
+                </a:schemeClr>
+              </a:gs>
+              <a:gs pos="50000">
+                <a:schemeClr val="accent6">
+                  <a:lumMod val="60000"/>
+                  <a:lumOff val="40000"/>
+                </a:schemeClr>
+              </a:gs>
+              <a:gs pos="100000">
+                <a:schemeClr val="accent6">
+                  <a:lumMod val="40000"/>
+                  <a:lumOff val="60000"/>
+                  <a:alpha val="0"/>
+                </a:schemeClr>
+              </a:gs>
+            </a:gsLst>
+            <a:lin ang="0" scaled="1"/>
+            <a:tileRect/>
+          </a:gradFill>
+          <a:ln>
+            <a:noFill/>
+          </a:ln>
+        </p:spPr>
+        <p:style>
+          <a:lnRef idx="2">
+            <a:schemeClr val="accent1">
+              <a:shade val="50000"/>
+            </a:schemeClr>
+          </a:lnRef>
+          <a:fillRef idx="1">
+            <a:schemeClr val="accent1"/>
+          </a:fillRef>
+          <a:effectRef idx="0">
+            <a:schemeClr val="accent1"/>
+          </a:effectRef>
+          <a:fontRef idx="minor">
+            <a:schemeClr val="lt1"/>
+          </a:fontRef>
+        </p:style>
+        <p:txBody>
+          <a:bodyPr rtlCol="0" anchor="ctr"/>
+          <a:lstStyle/>
+          <a:p>
+            <a:pPr algn="ctr"/>
+            <a:endParaRPr lang="en-IN" sz="1800"/>
+          </a:p>
+        </p:txBody>
+      </p:sp>
+    </p:spTree>
+    <p:extLst>
+      <p:ext uri="{BB962C8B-B14F-4D97-AF65-F5344CB8AC3E}">
+        <p14:creationId xmlns:p14="http://schemas.microsoft.com/office/powerpoint/2010/main" val="1005418816"/>
+      </p:ext>
+    </p:extLst>
+  </p:cSld>
+  <p:clrMapOvr>
+    <a:masterClrMapping/>
+  </p:clrMapOvr>
+</p:sldLayout>
+</file>
+
+<file path=ppt/slideLayouts/slideLayout13.xml><?xml version="1.0" encoding="utf-8"?>
+<p:sldLayout xmlns:a="http://schemas.openxmlformats.org/drawingml/2006/main" xmlns:r="http://schemas.openxmlformats.org/officeDocument/2006/relationships" xmlns:p="http://schemas.openxmlformats.org/presentationml/2006/main" type="titleOnly" preserve="1">
+  <p:cSld name="Title Only">
+    <p:spTree>
+      <p:nvGrpSpPr>
+        <p:cNvPr id="1" name=""/>
+        <p:cNvGrpSpPr/>
+        <p:nvPr/>
+      </p:nvGrpSpPr>
+      <p:grpSpPr>
+        <a:xfrm>
+          <a:off x="0" y="0"/>
+          <a:ext cx="0" cy="0"/>
+          <a:chOff x="0" y="0"/>
+          <a:chExt cx="0" cy="0"/>
+        </a:xfrm>
+      </p:grpSpPr>
+      <p:sp>
+        <p:nvSpPr>
+          <p:cNvPr id="2" name="Title 1"/>
+          <p:cNvSpPr>
+            <a:spLocks noGrp="1"/>
+          </p:cNvSpPr>
+          <p:nvPr>
+            <p:ph type="title"/>
+          </p:nvPr>
+        </p:nvSpPr>
+        <p:spPr/>
+        <p:txBody>
+          <a:bodyPr/>
+          <a:lstStyle/>
+          <a:p>
+            <a:r>
+              <a:rPr lang="en-US" smtClean="0"/>
+              <a:t>Click to edit Master title style</a:t>
+            </a:r>
+            <a:endParaRPr lang="en-IN"/>
+          </a:p>
+        </p:txBody>
+      </p:sp>
+      <p:sp>
+        <p:nvSpPr>
+          <p:cNvPr id="3" name="Date Placeholder 2"/>
+          <p:cNvSpPr>
+            <a:spLocks noGrp="1"/>
+          </p:cNvSpPr>
+          <p:nvPr>
+            <p:ph type="dt" sz="half" idx="10"/>
+          </p:nvPr>
+        </p:nvSpPr>
+        <p:spPr/>
+        <p:txBody>
+          <a:bodyPr/>
+          <a:lstStyle/>
+          <a:p>
+            <a:fld id="{208542C0-58EB-4E88-AAF3-88A299B12D88}" type="datetime1">
+              <a:rPr lang="en-IN" smtClean="0"/>
+              <a:t>07/08/15</a:t>
+            </a:fld>
+            <a:endParaRPr lang="en-IN"/>
+          </a:p>
+        </p:txBody>
+      </p:sp>
+      <p:sp>
+        <p:nvSpPr>
+          <p:cNvPr id="4" name="Footer Placeholder 3"/>
+          <p:cNvSpPr>
+            <a:spLocks noGrp="1"/>
+          </p:cNvSpPr>
+          <p:nvPr>
+            <p:ph type="ftr" sz="quarter" idx="11"/>
+          </p:nvPr>
+        </p:nvSpPr>
+        <p:spPr/>
+        <p:txBody>
+          <a:bodyPr/>
+          <a:lstStyle/>
+          <a:p>
+            <a:endParaRPr lang="en-IN"/>
+          </a:p>
+        </p:txBody>
+      </p:sp>
+      <p:sp>
+        <p:nvSpPr>
+          <p:cNvPr id="5" name="Slide Number Placeholder 4"/>
+          <p:cNvSpPr>
+            <a:spLocks noGrp="1"/>
+          </p:cNvSpPr>
+          <p:nvPr>
+            <p:ph type="sldNum" sz="quarter" idx="12"/>
+          </p:nvPr>
+        </p:nvSpPr>
+        <p:spPr/>
+        <p:txBody>
+          <a:bodyPr/>
+          <a:lstStyle/>
+          <a:p>
+            <a:fld id="{00000000-1234-1234-1234-123412341234}" type="slidenum">
+              <a:rPr lang="en" smtClean="0"/>
+              <a:pPr/>
+              <a:t>‹#›</a:t>
+            </a:fld>
+            <a:endParaRPr lang="en"/>
+          </a:p>
+        </p:txBody>
+      </p:sp>
+      <p:sp>
+        <p:nvSpPr>
+          <p:cNvPr id="6" name="Rectangle 5"/>
+          <p:cNvSpPr/>
+          <p:nvPr/>
+        </p:nvSpPr>
+        <p:spPr>
+          <a:xfrm>
+            <a:off x="9036498" y="0"/>
+            <a:ext cx="107503" cy="6858000"/>
+          </a:xfrm>
+          <a:prstGeom prst="rect">
+            <a:avLst/>
+          </a:prstGeom>
+          <a:gradFill>
+            <a:gsLst>
+              <a:gs pos="0">
+                <a:schemeClr val="accent6">
+                  <a:lumMod val="75000"/>
+                </a:schemeClr>
+              </a:gs>
+              <a:gs pos="50000">
+                <a:schemeClr val="accent6">
+                  <a:lumMod val="60000"/>
+                  <a:lumOff val="40000"/>
+                </a:schemeClr>
+              </a:gs>
+              <a:gs pos="100000">
+                <a:schemeClr val="accent6">
+                  <a:lumMod val="40000"/>
+                  <a:lumOff val="60000"/>
+                  <a:alpha val="69000"/>
+                </a:schemeClr>
+              </a:gs>
+            </a:gsLst>
+            <a:lin ang="5400000" scaled="0"/>
+          </a:gradFill>
+          <a:ln>
+            <a:noFill/>
+          </a:ln>
+        </p:spPr>
+        <p:style>
+          <a:lnRef idx="2">
+            <a:schemeClr val="accent1">
+              <a:shade val="50000"/>
+            </a:schemeClr>
+          </a:lnRef>
+          <a:fillRef idx="1">
+            <a:schemeClr val="accent1"/>
+          </a:fillRef>
+          <a:effectRef idx="0">
+            <a:schemeClr val="accent1"/>
+          </a:effectRef>
+          <a:fontRef idx="minor">
+            <a:schemeClr val="lt1"/>
+          </a:fontRef>
+        </p:style>
+        <p:txBody>
+          <a:bodyPr rtlCol="0" anchor="ctr"/>
+          <a:lstStyle/>
+          <a:p>
+            <a:pPr algn="ctr"/>
+            <a:endParaRPr lang="en-IN" sz="1167"/>
+          </a:p>
+        </p:txBody>
+      </p:sp>
+      <p:sp>
+        <p:nvSpPr>
+          <p:cNvPr id="7" name="Rectangle 6"/>
+          <p:cNvSpPr/>
+          <p:nvPr/>
+        </p:nvSpPr>
+        <p:spPr>
+          <a:xfrm rot="10800000" flipV="1">
+            <a:off x="107505" y="702924"/>
+            <a:ext cx="8928991" cy="61780"/>
+          </a:xfrm>
+          <a:prstGeom prst="rect">
+            <a:avLst/>
+          </a:prstGeom>
+          <a:gradFill flip="none" rotWithShape="1">
+            <a:gsLst>
+              <a:gs pos="0">
+                <a:schemeClr val="accent6">
+                  <a:lumMod val="75000"/>
+                </a:schemeClr>
+              </a:gs>
+              <a:gs pos="50000">
+                <a:schemeClr val="accent6">
+                  <a:lumMod val="60000"/>
+                  <a:lumOff val="40000"/>
+                </a:schemeClr>
+              </a:gs>
+              <a:gs pos="100000">
+                <a:schemeClr val="accent6">
+                  <a:lumMod val="40000"/>
+                  <a:lumOff val="60000"/>
+                  <a:alpha val="0"/>
+                </a:schemeClr>
+              </a:gs>
+            </a:gsLst>
+            <a:lin ang="0" scaled="1"/>
+            <a:tileRect/>
+          </a:gradFill>
+          <a:ln>
+            <a:noFill/>
+          </a:ln>
+        </p:spPr>
+        <p:style>
+          <a:lnRef idx="2">
+            <a:schemeClr val="accent1">
+              <a:shade val="50000"/>
+            </a:schemeClr>
+          </a:lnRef>
+          <a:fillRef idx="1">
+            <a:schemeClr val="accent1"/>
+          </a:fillRef>
+          <a:effectRef idx="0">
+            <a:schemeClr val="accent1"/>
+          </a:effectRef>
+          <a:fontRef idx="minor">
+            <a:schemeClr val="lt1"/>
+          </a:fontRef>
+        </p:style>
+        <p:txBody>
+          <a:bodyPr rtlCol="0" anchor="ctr"/>
+          <a:lstStyle/>
+          <a:p>
+            <a:pPr algn="ctr"/>
+            <a:endParaRPr lang="en-IN" sz="1800"/>
+          </a:p>
+        </p:txBody>
+      </p:sp>
+    </p:spTree>
+    <p:extLst>
+      <p:ext uri="{BB962C8B-B14F-4D97-AF65-F5344CB8AC3E}">
+        <p14:creationId xmlns:p14="http://schemas.microsoft.com/office/powerpoint/2010/main" val="1424321892"/>
+      </p:ext>
+    </p:extLst>
+  </p:cSld>
+  <p:clrMapOvr>
+    <a:masterClrMapping/>
+  </p:clrMapOvr>
+</p:sldLayout>
+</file>
+
+<file path=ppt/slideLayouts/slideLayout14.xml><?xml version="1.0" encoding="utf-8"?>
+<p:sldLayout xmlns:a="http://schemas.openxmlformats.org/drawingml/2006/main" xmlns:r="http://schemas.openxmlformats.org/officeDocument/2006/relationships" xmlns:p="http://schemas.openxmlformats.org/presentationml/2006/main" type="blank" preserve="1">
+  <p:cSld name="Blank">
+    <p:spTree>
+      <p:nvGrpSpPr>
+        <p:cNvPr id="1" name=""/>
+        <p:cNvGrpSpPr/>
+        <p:nvPr/>
+      </p:nvGrpSpPr>
+      <p:grpSpPr>
+        <a:xfrm>
+          <a:off x="0" y="0"/>
+          <a:ext cx="0" cy="0"/>
+          <a:chOff x="0" y="0"/>
+          <a:chExt cx="0" cy="0"/>
+        </a:xfrm>
+      </p:grpSpPr>
+      <p:sp>
+        <p:nvSpPr>
+          <p:cNvPr id="2" name="Date Placeholder 1"/>
+          <p:cNvSpPr>
+            <a:spLocks noGrp="1"/>
+          </p:cNvSpPr>
+          <p:nvPr>
+            <p:ph type="dt" sz="half" idx="10"/>
+          </p:nvPr>
+        </p:nvSpPr>
+        <p:spPr/>
+        <p:txBody>
+          <a:bodyPr/>
+          <a:lstStyle/>
+          <a:p>
+            <a:fld id="{F0DF550F-B621-4F67-9E84-A31E9C7D8FC5}" type="datetime1">
+              <a:rPr lang="en-IN" smtClean="0"/>
+              <a:t>07/08/15</a:t>
+            </a:fld>
+            <a:endParaRPr lang="en-IN"/>
+          </a:p>
+        </p:txBody>
+      </p:sp>
+      <p:sp>
+        <p:nvSpPr>
+          <p:cNvPr id="3" name="Footer Placeholder 2"/>
+          <p:cNvSpPr>
+            <a:spLocks noGrp="1"/>
+          </p:cNvSpPr>
+          <p:nvPr>
+            <p:ph type="ftr" sz="quarter" idx="11"/>
+          </p:nvPr>
+        </p:nvSpPr>
+        <p:spPr/>
+        <p:txBody>
+          <a:bodyPr/>
+          <a:lstStyle/>
+          <a:p>
+            <a:endParaRPr lang="en-IN"/>
+          </a:p>
+        </p:txBody>
+      </p:sp>
+      <p:sp>
+        <p:nvSpPr>
+          <p:cNvPr id="4" name="Slide Number Placeholder 3"/>
+          <p:cNvSpPr>
+            <a:spLocks noGrp="1"/>
+          </p:cNvSpPr>
+          <p:nvPr>
+            <p:ph type="sldNum" sz="quarter" idx="12"/>
+          </p:nvPr>
+        </p:nvSpPr>
+        <p:spPr/>
+        <p:txBody>
+          <a:bodyPr/>
+          <a:lstStyle/>
+          <a:p>
+            <a:fld id="{00000000-1234-1234-1234-123412341234}" type="slidenum">
+              <a:rPr lang="en" smtClean="0"/>
+              <a:pPr/>
+              <a:t>‹#›</a:t>
+            </a:fld>
+            <a:endParaRPr lang="en"/>
+          </a:p>
+        </p:txBody>
+      </p:sp>
+      <p:sp>
+        <p:nvSpPr>
+          <p:cNvPr id="5" name="Rectangle 4"/>
+          <p:cNvSpPr/>
+          <p:nvPr/>
+        </p:nvSpPr>
+        <p:spPr>
+          <a:xfrm>
+            <a:off x="9036498" y="0"/>
+            <a:ext cx="107503" cy="6858000"/>
+          </a:xfrm>
+          <a:prstGeom prst="rect">
+            <a:avLst/>
+          </a:prstGeom>
+          <a:gradFill>
+            <a:gsLst>
+              <a:gs pos="0">
+                <a:schemeClr val="accent6">
+                  <a:lumMod val="75000"/>
+                </a:schemeClr>
+              </a:gs>
+              <a:gs pos="50000">
+                <a:schemeClr val="accent6">
+                  <a:lumMod val="60000"/>
+                  <a:lumOff val="40000"/>
+                </a:schemeClr>
+              </a:gs>
+              <a:gs pos="100000">
+                <a:schemeClr val="accent6">
+                  <a:lumMod val="40000"/>
+                  <a:lumOff val="60000"/>
+                  <a:alpha val="69000"/>
+                </a:schemeClr>
+              </a:gs>
+            </a:gsLst>
+            <a:lin ang="5400000" scaled="0"/>
+          </a:gradFill>
+          <a:ln>
+            <a:noFill/>
+          </a:ln>
+        </p:spPr>
+        <p:style>
+          <a:lnRef idx="2">
+            <a:schemeClr val="accent1">
+              <a:shade val="50000"/>
+            </a:schemeClr>
+          </a:lnRef>
+          <a:fillRef idx="1">
+            <a:schemeClr val="accent1"/>
+          </a:fillRef>
+          <a:effectRef idx="0">
+            <a:schemeClr val="accent1"/>
+          </a:effectRef>
+          <a:fontRef idx="minor">
+            <a:schemeClr val="lt1"/>
+          </a:fontRef>
+        </p:style>
+        <p:txBody>
+          <a:bodyPr rtlCol="0" anchor="ctr"/>
+          <a:lstStyle/>
+          <a:p>
+            <a:pPr algn="ctr"/>
+            <a:endParaRPr lang="en-IN" sz="1167"/>
+          </a:p>
+        </p:txBody>
+      </p:sp>
+      <p:sp>
+        <p:nvSpPr>
+          <p:cNvPr id="6" name="Rectangle 5"/>
+          <p:cNvSpPr/>
+          <p:nvPr/>
+        </p:nvSpPr>
+        <p:spPr>
+          <a:xfrm rot="10800000" flipV="1">
+            <a:off x="107505" y="702924"/>
+            <a:ext cx="8928991" cy="61780"/>
+          </a:xfrm>
+          <a:prstGeom prst="rect">
+            <a:avLst/>
+          </a:prstGeom>
+          <a:gradFill flip="none" rotWithShape="1">
+            <a:gsLst>
+              <a:gs pos="0">
+                <a:schemeClr val="accent6">
+                  <a:lumMod val="75000"/>
+                </a:schemeClr>
+              </a:gs>
+              <a:gs pos="50000">
+                <a:schemeClr val="accent6">
+                  <a:lumMod val="60000"/>
+                  <a:lumOff val="40000"/>
+                </a:schemeClr>
+              </a:gs>
+              <a:gs pos="100000">
+                <a:schemeClr val="accent6">
+                  <a:lumMod val="40000"/>
+                  <a:lumOff val="60000"/>
+                  <a:alpha val="0"/>
+                </a:schemeClr>
+              </a:gs>
+            </a:gsLst>
+            <a:lin ang="0" scaled="1"/>
+            <a:tileRect/>
+          </a:gradFill>
+          <a:ln>
+            <a:noFill/>
+          </a:ln>
+        </p:spPr>
+        <p:style>
+          <a:lnRef idx="2">
+            <a:schemeClr val="accent1">
+              <a:shade val="50000"/>
+            </a:schemeClr>
+          </a:lnRef>
+          <a:fillRef idx="1">
+            <a:schemeClr val="accent1"/>
+          </a:fillRef>
+          <a:effectRef idx="0">
+            <a:schemeClr val="accent1"/>
+          </a:effectRef>
+          <a:fontRef idx="minor">
+            <a:schemeClr val="lt1"/>
+          </a:fontRef>
+        </p:style>
+        <p:txBody>
+          <a:bodyPr rtlCol="0" anchor="ctr"/>
+          <a:lstStyle/>
+          <a:p>
+            <a:pPr algn="ctr"/>
+            <a:endParaRPr lang="en-IN" sz="1800"/>
+          </a:p>
+        </p:txBody>
+      </p:sp>
+    </p:spTree>
+    <p:extLst>
+      <p:ext uri="{BB962C8B-B14F-4D97-AF65-F5344CB8AC3E}">
+        <p14:creationId xmlns:p14="http://schemas.microsoft.com/office/powerpoint/2010/main" val="1857300821"/>
+      </p:ext>
+    </p:extLst>
+  </p:cSld>
+  <p:clrMapOvr>
+    <a:masterClrMapping/>
+  </p:clrMapOvr>
+</p:sldLayout>
+</file>
+
+<file path=ppt/slideLayouts/slideLayout15.xml><?xml version="1.0" encoding="utf-8"?>
+<p:sldLayout xmlns:a="http://schemas.openxmlformats.org/drawingml/2006/main" xmlns:r="http://schemas.openxmlformats.org/officeDocument/2006/relationships" xmlns:p="http://schemas.openxmlformats.org/presentationml/2006/main" type="objTx" preserve="1">
+  <p:cSld name="Content with Caption">
+    <p:spTree>
+      <p:nvGrpSpPr>
+        <p:cNvPr id="1" name=""/>
+        <p:cNvGrpSpPr/>
+        <p:nvPr/>
+      </p:nvGrpSpPr>
+      <p:grpSpPr>
+        <a:xfrm>
+          <a:off x="0" y="0"/>
+          <a:ext cx="0" cy="0"/>
+          <a:chOff x="0" y="0"/>
+          <a:chExt cx="0" cy="0"/>
+        </a:xfrm>
+      </p:grpSpPr>
+      <p:sp>
+        <p:nvSpPr>
+          <p:cNvPr id="2" name="Title 1"/>
+          <p:cNvSpPr>
+            <a:spLocks noGrp="1"/>
+          </p:cNvSpPr>
+          <p:nvPr>
+            <p:ph type="title"/>
+          </p:nvPr>
+        </p:nvSpPr>
+        <p:spPr>
+          <a:xfrm>
+            <a:off x="457201" y="273051"/>
+            <a:ext cx="3008313" cy="1162050"/>
+          </a:xfrm>
+        </p:spPr>
+        <p:txBody>
+          <a:bodyPr anchor="b"/>
+          <a:lstStyle>
+            <a:lvl1pPr algn="l">
+              <a:defRPr sz="1667" b="1"/>
+            </a:lvl1pPr>
+          </a:lstStyle>
+          <a:p>
+            <a:r>
+              <a:rPr lang="en-US" smtClean="0"/>
+              <a:t>Click to edit Master title style</a:t>
+            </a:r>
+            <a:endParaRPr lang="en-IN"/>
+          </a:p>
+        </p:txBody>
+      </p:sp>
+      <p:sp>
+        <p:nvSpPr>
+          <p:cNvPr id="3" name="Content Placeholder 2"/>
+          <p:cNvSpPr>
+            <a:spLocks noGrp="1"/>
+          </p:cNvSpPr>
+          <p:nvPr>
+            <p:ph idx="1"/>
+          </p:nvPr>
+        </p:nvSpPr>
+        <p:spPr>
+          <a:xfrm>
+            <a:off x="3575051" y="273052"/>
+            <a:ext cx="5111750" cy="5853113"/>
+          </a:xfrm>
+        </p:spPr>
+        <p:txBody>
+          <a:bodyPr/>
+          <a:lstStyle>
+            <a:lvl1pPr>
+              <a:defRPr sz="2667"/>
+            </a:lvl1pPr>
+            <a:lvl2pPr>
+              <a:defRPr sz="2333"/>
+            </a:lvl2pPr>
+            <a:lvl3pPr>
+              <a:defRPr sz="2000"/>
+            </a:lvl3pPr>
+            <a:lvl4pPr>
+              <a:defRPr sz="1667"/>
+            </a:lvl4pPr>
+            <a:lvl5pPr>
+              <a:defRPr sz="1667"/>
+            </a:lvl5pPr>
+            <a:lvl6pPr>
+              <a:defRPr sz="1667"/>
+            </a:lvl6pPr>
+            <a:lvl7pPr>
+              <a:defRPr sz="1667"/>
+            </a:lvl7pPr>
+            <a:lvl8pPr>
+              <a:defRPr sz="1667"/>
+            </a:lvl8pPr>
+            <a:lvl9pPr>
+              <a:defRPr sz="1667"/>
+            </a:lvl9pPr>
+          </a:lstStyle>
+          <a:p>
+            <a:pPr lvl="0"/>
+            <a:r>
+              <a:rPr lang="en-US" smtClean="0"/>
+              <a:t>Click to edit Master text styles</a:t>
+            </a:r>
+          </a:p>
+          <a:p>
+            <a:pPr lvl="1"/>
+            <a:r>
+              <a:rPr lang="en-US" smtClean="0"/>
+              <a:t>Second level</a:t>
+            </a:r>
+          </a:p>
+          <a:p>
+            <a:pPr lvl="2"/>
+            <a:r>
+              <a:rPr lang="en-US" smtClean="0"/>
+              <a:t>Third level</a:t>
+            </a:r>
+          </a:p>
+          <a:p>
+            <a:pPr lvl="3"/>
+            <a:r>
+              <a:rPr lang="en-US" smtClean="0"/>
+              <a:t>Fourth level</a:t>
+            </a:r>
+          </a:p>
+          <a:p>
+            <a:pPr lvl="4"/>
+            <a:r>
+              <a:rPr lang="en-US" smtClean="0"/>
+              <a:t>Fifth level</a:t>
+            </a:r>
+            <a:endParaRPr lang="en-IN"/>
+          </a:p>
+        </p:txBody>
+      </p:sp>
+      <p:sp>
+        <p:nvSpPr>
+          <p:cNvPr id="4" name="Text Placeholder 3"/>
+          <p:cNvSpPr>
+            <a:spLocks noGrp="1"/>
+          </p:cNvSpPr>
+          <p:nvPr>
+            <p:ph type="body" sz="half" idx="2"/>
+          </p:nvPr>
+        </p:nvSpPr>
+        <p:spPr>
+          <a:xfrm>
+            <a:off x="457201" y="1435102"/>
+            <a:ext cx="3008313" cy="4691063"/>
+          </a:xfrm>
+        </p:spPr>
+        <p:txBody>
+          <a:bodyPr/>
+          <a:lstStyle>
+            <a:lvl1pPr marL="0" indent="0">
+              <a:buNone/>
+              <a:defRPr sz="1167"/>
+            </a:lvl1pPr>
+            <a:lvl2pPr marL="380985" indent="0">
+              <a:buNone/>
+              <a:defRPr sz="1000"/>
+            </a:lvl2pPr>
+            <a:lvl3pPr marL="761970" indent="0">
+              <a:buNone/>
+              <a:defRPr sz="833"/>
+            </a:lvl3pPr>
+            <a:lvl4pPr marL="1142954" indent="0">
+              <a:buNone/>
+              <a:defRPr sz="750"/>
+            </a:lvl4pPr>
+            <a:lvl5pPr marL="1523939" indent="0">
+              <a:buNone/>
+              <a:defRPr sz="750"/>
+            </a:lvl5pPr>
+            <a:lvl6pPr marL="1904924" indent="0">
+              <a:buNone/>
+              <a:defRPr sz="750"/>
+            </a:lvl6pPr>
+            <a:lvl7pPr marL="2285909" indent="0">
+              <a:buNone/>
+              <a:defRPr sz="750"/>
+            </a:lvl7pPr>
+            <a:lvl8pPr marL="2666893" indent="0">
+              <a:buNone/>
+              <a:defRPr sz="750"/>
+            </a:lvl8pPr>
+            <a:lvl9pPr marL="3047878" indent="0">
+              <a:buNone/>
+              <a:defRPr sz="750"/>
+            </a:lvl9pPr>
+          </a:lstStyle>
+          <a:p>
+            <a:pPr lvl="0"/>
+            <a:r>
+              <a:rPr lang="en-US" smtClean="0"/>
+              <a:t>Click to edit Master text styles</a:t>
+            </a:r>
+          </a:p>
+        </p:txBody>
+      </p:sp>
+      <p:sp>
+        <p:nvSpPr>
+          <p:cNvPr id="5" name="Date Placeholder 4"/>
+          <p:cNvSpPr>
+            <a:spLocks noGrp="1"/>
+          </p:cNvSpPr>
+          <p:nvPr>
+            <p:ph type="dt" sz="half" idx="10"/>
+          </p:nvPr>
+        </p:nvSpPr>
+        <p:spPr/>
+        <p:txBody>
+          <a:bodyPr/>
+          <a:lstStyle/>
+          <a:p>
+            <a:fld id="{31E2BD84-5420-4D2C-ACA0-31D7C6570893}" type="datetime1">
+              <a:rPr lang="en-IN" smtClean="0"/>
+              <a:t>07/08/15</a:t>
+            </a:fld>
+            <a:endParaRPr lang="en-IN"/>
+          </a:p>
+        </p:txBody>
+      </p:sp>
+      <p:sp>
+        <p:nvSpPr>
+          <p:cNvPr id="6" name="Footer Placeholder 5"/>
+          <p:cNvSpPr>
+            <a:spLocks noGrp="1"/>
+          </p:cNvSpPr>
+          <p:nvPr>
+            <p:ph type="ftr" sz="quarter" idx="11"/>
+          </p:nvPr>
+        </p:nvSpPr>
+        <p:spPr/>
+        <p:txBody>
+          <a:bodyPr/>
+          <a:lstStyle/>
+          <a:p>
+            <a:endParaRPr lang="en-IN"/>
+          </a:p>
+        </p:txBody>
+      </p:sp>
+      <p:sp>
+        <p:nvSpPr>
+          <p:cNvPr id="7" name="Slide Number Placeholder 6"/>
+          <p:cNvSpPr>
+            <a:spLocks noGrp="1"/>
+          </p:cNvSpPr>
+          <p:nvPr>
+            <p:ph type="sldNum" sz="quarter" idx="12"/>
+          </p:nvPr>
+        </p:nvSpPr>
+        <p:spPr/>
+        <p:txBody>
+          <a:bodyPr/>
+          <a:lstStyle/>
+          <a:p>
+            <a:fld id="{00000000-1234-1234-1234-123412341234}" type="slidenum">
+              <a:rPr lang="en" smtClean="0"/>
+              <a:pPr/>
+              <a:t>‹#›</a:t>
+            </a:fld>
+            <a:endParaRPr lang="en"/>
+          </a:p>
+        </p:txBody>
+      </p:sp>
+    </p:spTree>
+    <p:extLst>
+      <p:ext uri="{BB962C8B-B14F-4D97-AF65-F5344CB8AC3E}">
+        <p14:creationId xmlns:p14="http://schemas.microsoft.com/office/powerpoint/2010/main" val="703571522"/>
+      </p:ext>
+    </p:extLst>
+  </p:cSld>
+  <p:clrMapOvr>
+    <a:masterClrMapping/>
+  </p:clrMapOvr>
+</p:sldLayout>
+</file>
+
+<file path=ppt/slideLayouts/slideLayout16.xml><?xml version="1.0" encoding="utf-8"?>
+<p:sldLayout xmlns:a="http://schemas.openxmlformats.org/drawingml/2006/main" xmlns:r="http://schemas.openxmlformats.org/officeDocument/2006/relationships" xmlns:p="http://schemas.openxmlformats.org/presentationml/2006/main" type="picTx" preserve="1">
+  <p:cSld name="Picture with Caption">
+    <p:spTree>
+      <p:nvGrpSpPr>
+        <p:cNvPr id="1" name=""/>
+        <p:cNvGrpSpPr/>
+        <p:nvPr/>
+      </p:nvGrpSpPr>
+      <p:grpSpPr>
+        <a:xfrm>
+          <a:off x="0" y="0"/>
+          <a:ext cx="0" cy="0"/>
+          <a:chOff x="0" y="0"/>
+          <a:chExt cx="0" cy="0"/>
+        </a:xfrm>
+      </p:grpSpPr>
+      <p:sp>
+        <p:nvSpPr>
+          <p:cNvPr id="2" name="Title 1"/>
+          <p:cNvSpPr>
+            <a:spLocks noGrp="1"/>
+          </p:cNvSpPr>
+          <p:nvPr>
+            <p:ph type="title"/>
+          </p:nvPr>
+        </p:nvSpPr>
+        <p:spPr>
+          <a:xfrm>
+            <a:off x="1792288" y="4800600"/>
+            <a:ext cx="5486400" cy="566738"/>
+          </a:xfrm>
+        </p:spPr>
+        <p:txBody>
+          <a:bodyPr anchor="b"/>
+          <a:lstStyle>
+            <a:lvl1pPr algn="l">
+              <a:defRPr sz="1667" b="1"/>
+            </a:lvl1pPr>
+          </a:lstStyle>
+          <a:p>
+            <a:r>
+              <a:rPr lang="en-US" smtClean="0"/>
+              <a:t>Click to edit Master title style</a:t>
+            </a:r>
+            <a:endParaRPr lang="en-IN"/>
+          </a:p>
+        </p:txBody>
+      </p:sp>
+      <p:sp>
+        <p:nvSpPr>
+          <p:cNvPr id="3" name="Picture Placeholder 2"/>
+          <p:cNvSpPr>
+            <a:spLocks noGrp="1"/>
+          </p:cNvSpPr>
+          <p:nvPr>
+            <p:ph type="pic" idx="1"/>
+          </p:nvPr>
+        </p:nvSpPr>
+        <p:spPr>
+          <a:xfrm>
+            <a:off x="1792288" y="612775"/>
+            <a:ext cx="5486400" cy="4114800"/>
+          </a:xfrm>
+        </p:spPr>
+        <p:txBody>
+          <a:bodyPr/>
+          <a:lstStyle>
+            <a:lvl1pPr marL="0" indent="0">
+              <a:buNone/>
+              <a:defRPr sz="2667"/>
+            </a:lvl1pPr>
+            <a:lvl2pPr marL="380985" indent="0">
+              <a:buNone/>
+              <a:defRPr sz="2333"/>
+            </a:lvl2pPr>
+            <a:lvl3pPr marL="761970" indent="0">
+              <a:buNone/>
+              <a:defRPr sz="2000"/>
+            </a:lvl3pPr>
+            <a:lvl4pPr marL="1142954" indent="0">
+              <a:buNone/>
+              <a:defRPr sz="1667"/>
+            </a:lvl4pPr>
+            <a:lvl5pPr marL="1523939" indent="0">
+              <a:buNone/>
+              <a:defRPr sz="1667"/>
+            </a:lvl5pPr>
+            <a:lvl6pPr marL="1904924" indent="0">
+              <a:buNone/>
+              <a:defRPr sz="1667"/>
+            </a:lvl6pPr>
+            <a:lvl7pPr marL="2285909" indent="0">
+              <a:buNone/>
+              <a:defRPr sz="1667"/>
+            </a:lvl7pPr>
+            <a:lvl8pPr marL="2666893" indent="0">
+              <a:buNone/>
+              <a:defRPr sz="1667"/>
+            </a:lvl8pPr>
+            <a:lvl9pPr marL="3047878" indent="0">
+              <a:buNone/>
+              <a:defRPr sz="1667"/>
+            </a:lvl9pPr>
+          </a:lstStyle>
+          <a:p>
+            <a:r>
+              <a:rPr lang="en-US" smtClean="0"/>
+              <a:t>Drag picture to placeholder or click icon to add</a:t>
+            </a:r>
+            <a:endParaRPr lang="en-IN"/>
+          </a:p>
+        </p:txBody>
+      </p:sp>
+      <p:sp>
+        <p:nvSpPr>
+          <p:cNvPr id="4" name="Text Placeholder 3"/>
+          <p:cNvSpPr>
+            <a:spLocks noGrp="1"/>
+          </p:cNvSpPr>
+          <p:nvPr>
+            <p:ph type="body" sz="half" idx="2"/>
+          </p:nvPr>
+        </p:nvSpPr>
+        <p:spPr>
+          <a:xfrm>
+            <a:off x="1792288" y="5367338"/>
+            <a:ext cx="5486400" cy="804862"/>
+          </a:xfrm>
+        </p:spPr>
+        <p:txBody>
+          <a:bodyPr/>
+          <a:lstStyle>
+            <a:lvl1pPr marL="0" indent="0">
+              <a:buNone/>
+              <a:defRPr sz="1167"/>
+            </a:lvl1pPr>
+            <a:lvl2pPr marL="380985" indent="0">
+              <a:buNone/>
+              <a:defRPr sz="1000"/>
+            </a:lvl2pPr>
+            <a:lvl3pPr marL="761970" indent="0">
+              <a:buNone/>
+              <a:defRPr sz="833"/>
+            </a:lvl3pPr>
+            <a:lvl4pPr marL="1142954" indent="0">
+              <a:buNone/>
+              <a:defRPr sz="750"/>
+            </a:lvl4pPr>
+            <a:lvl5pPr marL="1523939" indent="0">
+              <a:buNone/>
+              <a:defRPr sz="750"/>
+            </a:lvl5pPr>
+            <a:lvl6pPr marL="1904924" indent="0">
+              <a:buNone/>
+              <a:defRPr sz="750"/>
+            </a:lvl6pPr>
+            <a:lvl7pPr marL="2285909" indent="0">
+              <a:buNone/>
+              <a:defRPr sz="750"/>
+            </a:lvl7pPr>
+            <a:lvl8pPr marL="2666893" indent="0">
+              <a:buNone/>
+              <a:defRPr sz="750"/>
+            </a:lvl8pPr>
+            <a:lvl9pPr marL="3047878" indent="0">
+              <a:buNone/>
+              <a:defRPr sz="750"/>
+            </a:lvl9pPr>
+          </a:lstStyle>
+          <a:p>
+            <a:pPr lvl="0"/>
+            <a:r>
+              <a:rPr lang="en-US" smtClean="0"/>
+              <a:t>Click to edit Master text styles</a:t>
+            </a:r>
+          </a:p>
+        </p:txBody>
+      </p:sp>
+      <p:sp>
+        <p:nvSpPr>
+          <p:cNvPr id="5" name="Date Placeholder 4"/>
+          <p:cNvSpPr>
+            <a:spLocks noGrp="1"/>
+          </p:cNvSpPr>
+          <p:nvPr>
+            <p:ph type="dt" sz="half" idx="10"/>
+          </p:nvPr>
+        </p:nvSpPr>
+        <p:spPr/>
+        <p:txBody>
+          <a:bodyPr/>
+          <a:lstStyle/>
+          <a:p>
+            <a:fld id="{043A5E61-C30E-4F7A-A443-BAD8C8A83ACC}" type="datetime1">
+              <a:rPr lang="en-IN" smtClean="0"/>
+              <a:t>07/08/15</a:t>
+            </a:fld>
+            <a:endParaRPr lang="en-IN"/>
+          </a:p>
+        </p:txBody>
+      </p:sp>
+      <p:sp>
+        <p:nvSpPr>
+          <p:cNvPr id="6" name="Footer Placeholder 5"/>
+          <p:cNvSpPr>
+            <a:spLocks noGrp="1"/>
+          </p:cNvSpPr>
+          <p:nvPr>
+            <p:ph type="ftr" sz="quarter" idx="11"/>
+          </p:nvPr>
+        </p:nvSpPr>
+        <p:spPr/>
+        <p:txBody>
+          <a:bodyPr/>
+          <a:lstStyle/>
+          <a:p>
+            <a:endParaRPr lang="en-IN"/>
+          </a:p>
+        </p:txBody>
+      </p:sp>
+      <p:sp>
+        <p:nvSpPr>
+          <p:cNvPr id="7" name="Slide Number Placeholder 6"/>
+          <p:cNvSpPr>
+            <a:spLocks noGrp="1"/>
+          </p:cNvSpPr>
+          <p:nvPr>
+            <p:ph type="sldNum" sz="quarter" idx="12"/>
+          </p:nvPr>
+        </p:nvSpPr>
+        <p:spPr/>
+        <p:txBody>
+          <a:bodyPr/>
+          <a:lstStyle/>
+          <a:p>
+            <a:fld id="{00000000-1234-1234-1234-123412341234}" type="slidenum">
+              <a:rPr lang="en" smtClean="0"/>
+              <a:pPr/>
+              <a:t>‹#›</a:t>
+            </a:fld>
+            <a:endParaRPr lang="en"/>
+          </a:p>
+        </p:txBody>
+      </p:sp>
+    </p:spTree>
+    <p:extLst>
+      <p:ext uri="{BB962C8B-B14F-4D97-AF65-F5344CB8AC3E}">
+        <p14:creationId xmlns:p14="http://schemas.microsoft.com/office/powerpoint/2010/main" val="2117303605"/>
+      </p:ext>
+    </p:extLst>
+  </p:cSld>
+  <p:clrMapOvr>
+    <a:masterClrMapping/>
+  </p:clrMapOvr>
+</p:sldLayout>
+</file>
+
+<file path=ppt/slideLayouts/slideLayout17.xml><?xml version="1.0" encoding="utf-8"?>
+<p:sldLayout xmlns:a="http://schemas.openxmlformats.org/drawingml/2006/main" xmlns:r="http://schemas.openxmlformats.org/officeDocument/2006/relationships" xmlns:p="http://schemas.openxmlformats.org/presentationml/2006/main" type="vertTx" preserve="1">
+  <p:cSld name="Title and Vertical Text">
+    <p:spTree>
+      <p:nvGrpSpPr>
+        <p:cNvPr id="1" name=""/>
+        <p:cNvGrpSpPr/>
+        <p:nvPr/>
+      </p:nvGrpSpPr>
+      <p:grpSpPr>
+        <a:xfrm>
+          <a:off x="0" y="0"/>
+          <a:ext cx="0" cy="0"/>
+          <a:chOff x="0" y="0"/>
+          <a:chExt cx="0" cy="0"/>
+        </a:xfrm>
+      </p:grpSpPr>
+      <p:sp>
+        <p:nvSpPr>
+          <p:cNvPr id="2" name="Title 1"/>
+          <p:cNvSpPr>
+            <a:spLocks noGrp="1"/>
+          </p:cNvSpPr>
+          <p:nvPr>
+            <p:ph type="title"/>
+          </p:nvPr>
+        </p:nvSpPr>
+        <p:spPr/>
+        <p:txBody>
+          <a:bodyPr/>
+          <a:lstStyle/>
+          <a:p>
+            <a:r>
+              <a:rPr lang="en-US" smtClean="0"/>
+              <a:t>Click to edit Master title style</a:t>
+            </a:r>
+            <a:endParaRPr lang="en-IN"/>
+          </a:p>
+        </p:txBody>
+      </p:sp>
+      <p:sp>
+        <p:nvSpPr>
+          <p:cNvPr id="3" name="Vertical Text Placeholder 2"/>
+          <p:cNvSpPr>
+            <a:spLocks noGrp="1"/>
+          </p:cNvSpPr>
+          <p:nvPr>
+            <p:ph type="body" orient="vert" idx="1"/>
+          </p:nvPr>
+        </p:nvSpPr>
+        <p:spPr/>
+        <p:txBody>
+          <a:bodyPr vert="eaVert"/>
+          <a:lstStyle/>
+          <a:p>
+            <a:pPr lvl="0"/>
+            <a:r>
+              <a:rPr lang="en-US" smtClean="0"/>
+              <a:t>Click to edit Master text styles</a:t>
+            </a:r>
+          </a:p>
+          <a:p>
+            <a:pPr lvl="1"/>
+            <a:r>
+              <a:rPr lang="en-US" smtClean="0"/>
+              <a:t>Second level</a:t>
+            </a:r>
+          </a:p>
+          <a:p>
+            <a:pPr lvl="2"/>
+            <a:r>
+              <a:rPr lang="en-US" smtClean="0"/>
+              <a:t>Third level</a:t>
+            </a:r>
+          </a:p>
+          <a:p>
+            <a:pPr lvl="3"/>
+            <a:r>
+              <a:rPr lang="en-US" smtClean="0"/>
+              <a:t>Fourth level</a:t>
+            </a:r>
+          </a:p>
+          <a:p>
+            <a:pPr lvl="4"/>
+            <a:r>
+              <a:rPr lang="en-US" smtClean="0"/>
+              <a:t>Fifth level</a:t>
+            </a:r>
+            <a:endParaRPr lang="en-IN"/>
+          </a:p>
+        </p:txBody>
+      </p:sp>
+      <p:sp>
+        <p:nvSpPr>
+          <p:cNvPr id="4" name="Date Placeholder 3"/>
+          <p:cNvSpPr>
+            <a:spLocks noGrp="1"/>
+          </p:cNvSpPr>
+          <p:nvPr>
+            <p:ph type="dt" sz="half" idx="10"/>
+          </p:nvPr>
+        </p:nvSpPr>
+        <p:spPr/>
+        <p:txBody>
+          <a:bodyPr/>
+          <a:lstStyle/>
+          <a:p>
+            <a:fld id="{F63FE182-D118-40E7-91F0-94AD1BB9491A}" type="datetime1">
+              <a:rPr lang="en-IN" smtClean="0"/>
+              <a:t>07/08/15</a:t>
+            </a:fld>
+            <a:endParaRPr lang="en-IN"/>
+          </a:p>
+        </p:txBody>
+      </p:sp>
+      <p:sp>
+        <p:nvSpPr>
+          <p:cNvPr id="5" name="Footer Placeholder 4"/>
+          <p:cNvSpPr>
+            <a:spLocks noGrp="1"/>
+          </p:cNvSpPr>
+          <p:nvPr>
+            <p:ph type="ftr" sz="quarter" idx="11"/>
+          </p:nvPr>
+        </p:nvSpPr>
+        <p:spPr/>
+        <p:txBody>
+          <a:bodyPr/>
+          <a:lstStyle/>
+          <a:p>
+            <a:endParaRPr lang="en-IN"/>
+          </a:p>
+        </p:txBody>
+      </p:sp>
+      <p:sp>
+        <p:nvSpPr>
+          <p:cNvPr id="6" name="Slide Number Placeholder 5"/>
+          <p:cNvSpPr>
+            <a:spLocks noGrp="1"/>
+          </p:cNvSpPr>
+          <p:nvPr>
+            <p:ph type="sldNum" sz="quarter" idx="12"/>
+          </p:nvPr>
+        </p:nvSpPr>
+        <p:spPr/>
+        <p:txBody>
+          <a:bodyPr/>
+          <a:lstStyle/>
+          <a:p>
+            <a:fld id="{00000000-1234-1234-1234-123412341234}" type="slidenum">
+              <a:rPr lang="en" smtClean="0"/>
+              <a:pPr/>
+              <a:t>‹#›</a:t>
+            </a:fld>
+            <a:endParaRPr lang="en"/>
+          </a:p>
+        </p:txBody>
+      </p:sp>
+    </p:spTree>
+    <p:extLst>
+      <p:ext uri="{BB962C8B-B14F-4D97-AF65-F5344CB8AC3E}">
+        <p14:creationId xmlns:p14="http://schemas.microsoft.com/office/powerpoint/2010/main" val="529302443"/>
+      </p:ext>
+    </p:extLst>
+  </p:cSld>
+  <p:clrMapOvr>
+    <a:masterClrMapping/>
+  </p:clrMapOvr>
+</p:sldLayout>
+</file>
+
+<file path=ppt/slideLayouts/slideLayout18.xml><?xml version="1.0" encoding="utf-8"?>
+<p:sldLayout xmlns:a="http://schemas.openxmlformats.org/drawingml/2006/main" xmlns:r="http://schemas.openxmlformats.org/officeDocument/2006/relationships" xmlns:p="http://schemas.openxmlformats.org/presentationml/2006/main" type="vertTitleAndTx" preserve="1">
+  <p:cSld name="Vertical Title and Text">
+    <p:spTree>
+      <p:nvGrpSpPr>
+        <p:cNvPr id="1" name=""/>
+        <p:cNvGrpSpPr/>
+        <p:nvPr/>
+      </p:nvGrpSpPr>
+      <p:grpSpPr>
+        <a:xfrm>
+          <a:off x="0" y="0"/>
+          <a:ext cx="0" cy="0"/>
+          <a:chOff x="0" y="0"/>
+          <a:chExt cx="0" cy="0"/>
+        </a:xfrm>
+      </p:grpSpPr>
+      <p:sp>
+        <p:nvSpPr>
+          <p:cNvPr id="2" name="Vertical Title 1"/>
+          <p:cNvSpPr>
+            <a:spLocks noGrp="1"/>
+          </p:cNvSpPr>
+          <p:nvPr>
+            <p:ph type="title" orient="vert"/>
+          </p:nvPr>
+        </p:nvSpPr>
+        <p:spPr>
+          <a:xfrm>
+            <a:off x="6629400" y="274640"/>
+            <a:ext cx="2057400" cy="5851525"/>
+          </a:xfrm>
+        </p:spPr>
+        <p:txBody>
+          <a:bodyPr vert="eaVert"/>
+          <a:lstStyle/>
+          <a:p>
+            <a:r>
+              <a:rPr lang="en-US" smtClean="0"/>
+              <a:t>Click to edit Master title style</a:t>
+            </a:r>
+            <a:endParaRPr lang="en-IN"/>
+          </a:p>
+        </p:txBody>
+      </p:sp>
+      <p:sp>
+        <p:nvSpPr>
+          <p:cNvPr id="3" name="Vertical Text Placeholder 2"/>
+          <p:cNvSpPr>
+            <a:spLocks noGrp="1"/>
+          </p:cNvSpPr>
+          <p:nvPr>
+            <p:ph type="body" orient="vert" idx="1"/>
+          </p:nvPr>
+        </p:nvSpPr>
+        <p:spPr>
+          <a:xfrm>
+            <a:off x="457200" y="274640"/>
+            <a:ext cx="6019800" cy="5851525"/>
+          </a:xfrm>
+        </p:spPr>
+        <p:txBody>
+          <a:bodyPr vert="eaVert"/>
+          <a:lstStyle/>
+          <a:p>
+            <a:pPr lvl="0"/>
+            <a:r>
+              <a:rPr lang="en-US" smtClean="0"/>
+              <a:t>Click to edit Master text styles</a:t>
+            </a:r>
+          </a:p>
+          <a:p>
+            <a:pPr lvl="1"/>
+            <a:r>
+              <a:rPr lang="en-US" smtClean="0"/>
+              <a:t>Second level</a:t>
+            </a:r>
+          </a:p>
+          <a:p>
+            <a:pPr lvl="2"/>
+            <a:r>
+              <a:rPr lang="en-US" smtClean="0"/>
+              <a:t>Third level</a:t>
+            </a:r>
+          </a:p>
+          <a:p>
+            <a:pPr lvl="3"/>
+            <a:r>
+              <a:rPr lang="en-US" smtClean="0"/>
+              <a:t>Fourth level</a:t>
+            </a:r>
+          </a:p>
+          <a:p>
+            <a:pPr lvl="4"/>
+            <a:r>
+              <a:rPr lang="en-US" smtClean="0"/>
+              <a:t>Fifth level</a:t>
+            </a:r>
+            <a:endParaRPr lang="en-IN"/>
+          </a:p>
+        </p:txBody>
+      </p:sp>
+      <p:sp>
+        <p:nvSpPr>
+          <p:cNvPr id="4" name="Date Placeholder 3"/>
+          <p:cNvSpPr>
+            <a:spLocks noGrp="1"/>
+          </p:cNvSpPr>
+          <p:nvPr>
+            <p:ph type="dt" sz="half" idx="10"/>
+          </p:nvPr>
+        </p:nvSpPr>
+        <p:spPr/>
+        <p:txBody>
+          <a:bodyPr/>
+          <a:lstStyle/>
+          <a:p>
+            <a:fld id="{EA1EF7E5-3025-47D0-ACC7-80A0B6527DA6}" type="datetime1">
+              <a:rPr lang="en-IN" smtClean="0"/>
+              <a:t>07/08/15</a:t>
+            </a:fld>
+            <a:endParaRPr lang="en-IN"/>
+          </a:p>
+        </p:txBody>
+      </p:sp>
+      <p:sp>
+        <p:nvSpPr>
+          <p:cNvPr id="5" name="Footer Placeholder 4"/>
+          <p:cNvSpPr>
+            <a:spLocks noGrp="1"/>
+          </p:cNvSpPr>
+          <p:nvPr>
+            <p:ph type="ftr" sz="quarter" idx="11"/>
+          </p:nvPr>
+        </p:nvSpPr>
+        <p:spPr/>
+        <p:txBody>
+          <a:bodyPr/>
+          <a:lstStyle/>
+          <a:p>
+            <a:endParaRPr lang="en-IN"/>
+          </a:p>
+        </p:txBody>
+      </p:sp>
+      <p:sp>
+        <p:nvSpPr>
+          <p:cNvPr id="6" name="Slide Number Placeholder 5"/>
+          <p:cNvSpPr>
+            <a:spLocks noGrp="1"/>
+          </p:cNvSpPr>
+          <p:nvPr>
+            <p:ph type="sldNum" sz="quarter" idx="12"/>
+          </p:nvPr>
+        </p:nvSpPr>
+        <p:spPr/>
+        <p:txBody>
+          <a:bodyPr/>
+          <a:lstStyle/>
+          <a:p>
+            <a:fld id="{00000000-1234-1234-1234-123412341234}" type="slidenum">
+              <a:rPr lang="en" smtClean="0"/>
+              <a:pPr/>
+              <a:t>‹#›</a:t>
+            </a:fld>
+            <a:endParaRPr lang="en"/>
+          </a:p>
+        </p:txBody>
+      </p:sp>
+    </p:spTree>
+    <p:extLst>
+      <p:ext uri="{BB962C8B-B14F-4D97-AF65-F5344CB8AC3E}">
+        <p14:creationId xmlns:p14="http://schemas.microsoft.com/office/powerpoint/2010/main" val="418646579"/>
+      </p:ext>
+    </p:extLst>
+  </p:cSld>
+  <p:clrMapOvr>
+    <a:masterClrMapping/>
+  </p:clrMapOvr>
+</p:sldLayout>
+</file>
+
+<file path=ppt/slideLayouts/slideLayout19.xml><?xml version="1.0" encoding="utf-8"?>
+<p:sldLayout xmlns:a="http://schemas.openxmlformats.org/drawingml/2006/main" xmlns:r="http://schemas.openxmlformats.org/officeDocument/2006/relationships" xmlns:p="http://schemas.openxmlformats.org/presentationml/2006/main" type="tx">
+  <p:cSld name="Title and Body">
+    <p:spTree>
+      <p:nvGrpSpPr>
+        <p:cNvPr id="1" name="Shape 12"/>
+        <p:cNvGrpSpPr/>
+        <p:nvPr/>
+      </p:nvGrpSpPr>
+      <p:grpSpPr>
+        <a:xfrm>
+          <a:off x="0" y="0"/>
+          <a:ext cx="0" cy="0"/>
+          <a:chOff x="0" y="0"/>
+          <a:chExt cx="0" cy="0"/>
+        </a:xfrm>
+      </p:grpSpPr>
+      <p:sp>
+        <p:nvSpPr>
+          <p:cNvPr id="13" name="Shape 13"/>
+          <p:cNvSpPr txBox="1">
+            <a:spLocks noGrp="1"/>
+          </p:cNvSpPr>
+          <p:nvPr>
+            <p:ph type="title"/>
+          </p:nvPr>
+        </p:nvSpPr>
+        <p:spPr>
+          <a:xfrm>
+            <a:off x="72701" y="274636"/>
+            <a:ext cx="8951100" cy="668159"/>
+          </a:xfrm>
+          <a:prstGeom prst="rect">
+            <a:avLst/>
+          </a:prstGeom>
+        </p:spPr>
+        <p:txBody>
+          <a:bodyPr lIns="91425" tIns="91425" rIns="91425" bIns="91425" anchor="b" anchorCtr="0"/>
+          <a:lstStyle>
+            <a:lvl1pPr>
+              <a:spcBef>
+                <a:spcPts val="0"/>
+              </a:spcBef>
+              <a:buSzPct val="100000"/>
+              <a:defRPr sz="2400"/>
+            </a:lvl1pPr>
+            <a:lvl2pPr>
+              <a:spcBef>
+                <a:spcPts val="0"/>
+              </a:spcBef>
+              <a:defRPr/>
+            </a:lvl2pPr>
+            <a:lvl3pPr>
+              <a:spcBef>
+                <a:spcPts val="0"/>
+              </a:spcBef>
+              <a:defRPr/>
+            </a:lvl3pPr>
+            <a:lvl4pPr>
+              <a:spcBef>
+                <a:spcPts val="0"/>
+              </a:spcBef>
+              <a:defRPr/>
+            </a:lvl4pPr>
+            <a:lvl5pPr>
+              <a:spcBef>
+                <a:spcPts val="0"/>
+              </a:spcBef>
+              <a:defRPr/>
+            </a:lvl5pPr>
+            <a:lvl6pPr>
+              <a:spcBef>
+                <a:spcPts val="0"/>
+              </a:spcBef>
+              <a:defRPr/>
+            </a:lvl6pPr>
+            <a:lvl7pPr>
+              <a:spcBef>
+                <a:spcPts val="0"/>
+              </a:spcBef>
+              <a:defRPr/>
+            </a:lvl7pPr>
+            <a:lvl8pPr>
+              <a:spcBef>
+                <a:spcPts val="0"/>
+              </a:spcBef>
+              <a:defRPr/>
+            </a:lvl8pPr>
+            <a:lvl9pPr>
+              <a:spcBef>
+                <a:spcPts val="0"/>
+              </a:spcBef>
+              <a:defRPr/>
+            </a:lvl9pPr>
+          </a:lstStyle>
+          <a:p>
+            <a:r>
+              <a:rPr lang="en-US" smtClean="0"/>
+              <a:t>Click to edit Master title style</a:t>
+            </a:r>
+            <a:endParaRPr/>
+          </a:p>
+        </p:txBody>
+      </p:sp>
+      <p:sp>
+        <p:nvSpPr>
+          <p:cNvPr id="14" name="Shape 14"/>
+          <p:cNvSpPr txBox="1">
+            <a:spLocks noGrp="1"/>
+          </p:cNvSpPr>
+          <p:nvPr>
+            <p:ph type="body" idx="1"/>
+          </p:nvPr>
+        </p:nvSpPr>
+        <p:spPr>
+          <a:xfrm>
+            <a:off x="72701" y="942632"/>
+            <a:ext cx="8951100" cy="5625360"/>
+          </a:xfrm>
+          <a:prstGeom prst="rect">
+            <a:avLst/>
+          </a:prstGeom>
+        </p:spPr>
+        <p:txBody>
+          <a:bodyPr lIns="91425" tIns="91425" rIns="91425" bIns="91425" anchor="t" anchorCtr="0"/>
+          <a:lstStyle>
+            <a:lvl1pPr>
+              <a:spcBef>
+                <a:spcPts val="0"/>
+              </a:spcBef>
+              <a:buSzPct val="100000"/>
+              <a:defRPr sz="2000"/>
+            </a:lvl1pPr>
+            <a:lvl2pPr>
+              <a:spcBef>
+                <a:spcPts val="0"/>
+              </a:spcBef>
+              <a:buSzPct val="100000"/>
+              <a:defRPr sz="1800"/>
+            </a:lvl2pPr>
+            <a:lvl3pPr>
+              <a:spcBef>
+                <a:spcPts val="0"/>
+              </a:spcBef>
+              <a:buSzPct val="100000"/>
+              <a:defRPr sz="1600"/>
+            </a:lvl3pPr>
+            <a:lvl4pPr>
+              <a:spcBef>
+                <a:spcPts val="0"/>
+              </a:spcBef>
+              <a:buSzPct val="100000"/>
+              <a:defRPr sz="1400"/>
+            </a:lvl4pPr>
+            <a:lvl5pPr>
+              <a:spcBef>
+                <a:spcPts val="0"/>
+              </a:spcBef>
+              <a:buSzPct val="100000"/>
+              <a:defRPr sz="1200"/>
+            </a:lvl5pPr>
+            <a:lvl6pPr>
+              <a:spcBef>
+                <a:spcPts val="0"/>
+              </a:spcBef>
+              <a:buSzPct val="100000"/>
+              <a:defRPr sz="1000"/>
+            </a:lvl6pPr>
+            <a:lvl7pPr>
+              <a:spcBef>
+                <a:spcPts val="0"/>
+              </a:spcBef>
+              <a:buSzPct val="100000"/>
+              <a:defRPr sz="1000"/>
+            </a:lvl7pPr>
+            <a:lvl8pPr>
+              <a:spcBef>
+                <a:spcPts val="0"/>
+              </a:spcBef>
+              <a:buSzPct val="100000"/>
+              <a:defRPr sz="1000"/>
+            </a:lvl8pPr>
+            <a:lvl9pPr>
+              <a:spcBef>
+                <a:spcPts val="0"/>
+              </a:spcBef>
+              <a:buSzPct val="100000"/>
+              <a:defRPr sz="800"/>
+            </a:lvl9pPr>
+          </a:lstStyle>
+          <a:p>
+            <a:pPr lvl="0"/>
+            <a:r>
+              <a:rPr lang="en-US" smtClean="0"/>
+              <a:t>Click to edit Master text styles</a:t>
+            </a:r>
+          </a:p>
+        </p:txBody>
+      </p:sp>
+      <p:sp>
+        <p:nvSpPr>
+          <p:cNvPr id="15" name="Shape 15"/>
+          <p:cNvSpPr txBox="1">
+            <a:spLocks noGrp="1"/>
+          </p:cNvSpPr>
+          <p:nvPr>
+            <p:ph type="sldNum" idx="12"/>
+          </p:nvPr>
+        </p:nvSpPr>
+        <p:spPr>
+          <a:xfrm>
+            <a:off x="8556793" y="6333137"/>
+            <a:ext cx="548699" cy="524519"/>
+          </a:xfrm>
+          <a:prstGeom prst="rect">
+            <a:avLst/>
+          </a:prstGeom>
+        </p:spPr>
+        <p:txBody>
+          <a:bodyPr lIns="91425" tIns="91425" rIns="91425" bIns="91425" anchor="ctr" anchorCtr="0">
+            <a:noAutofit/>
+          </a:bodyPr>
+          <a:lstStyle>
+            <a:lvl1pPr>
+              <a:spcBef>
+                <a:spcPts val="0"/>
+              </a:spcBef>
+              <a:buNone/>
+              <a:defRPr/>
+            </a:lvl1pPr>
+          </a:lstStyle>
+          <a:p>
+            <a:fld id="{00000000-1234-1234-1234-123412341234}" type="slidenum">
+              <a:rPr lang="en" smtClean="0"/>
+              <a:pPr/>
+              <a:t>‹#›</a:t>
+            </a:fld>
+            <a:endParaRPr lang="en"/>
+          </a:p>
+        </p:txBody>
+      </p:sp>
+      <p:sp>
+        <p:nvSpPr>
+          <p:cNvPr id="7" name="Rectangle 6"/>
+          <p:cNvSpPr/>
+          <p:nvPr/>
+        </p:nvSpPr>
+        <p:spPr>
+          <a:xfrm>
+            <a:off x="9036498" y="0"/>
+            <a:ext cx="107503" cy="6858000"/>
+          </a:xfrm>
+          <a:prstGeom prst="rect">
+            <a:avLst/>
+          </a:prstGeom>
+          <a:gradFill>
+            <a:gsLst>
+              <a:gs pos="0">
+                <a:schemeClr val="accent6">
+                  <a:lumMod val="75000"/>
+                </a:schemeClr>
+              </a:gs>
+              <a:gs pos="50000">
+                <a:schemeClr val="accent6">
+                  <a:lumMod val="60000"/>
+                  <a:lumOff val="40000"/>
+                </a:schemeClr>
+              </a:gs>
+              <a:gs pos="100000">
+                <a:schemeClr val="accent6">
+                  <a:lumMod val="40000"/>
+                  <a:lumOff val="60000"/>
+                  <a:alpha val="69000"/>
+                </a:schemeClr>
+              </a:gs>
+            </a:gsLst>
+            <a:lin ang="5400000" scaled="0"/>
+          </a:gradFill>
+          <a:ln>
+            <a:noFill/>
+          </a:ln>
+        </p:spPr>
+        <p:style>
+          <a:lnRef idx="2">
+            <a:schemeClr val="accent1">
+              <a:shade val="50000"/>
+            </a:schemeClr>
+          </a:lnRef>
+          <a:fillRef idx="1">
+            <a:schemeClr val="accent1"/>
+          </a:fillRef>
+          <a:effectRef idx="0">
+            <a:schemeClr val="accent1"/>
+          </a:effectRef>
+          <a:fontRef idx="minor">
+            <a:schemeClr val="lt1"/>
+          </a:fontRef>
+        </p:style>
+        <p:txBody>
+          <a:bodyPr rtlCol="0" anchor="ctr"/>
+          <a:lstStyle/>
+          <a:p>
+            <a:pPr algn="ctr"/>
+            <a:endParaRPr lang="en-IN" sz="1167"/>
+          </a:p>
+        </p:txBody>
+      </p:sp>
+      <p:sp>
+        <p:nvSpPr>
+          <p:cNvPr id="8" name="Rectangle 7"/>
+          <p:cNvSpPr/>
+          <p:nvPr/>
+        </p:nvSpPr>
+        <p:spPr>
+          <a:xfrm rot="10800000" flipV="1">
+            <a:off x="107507" y="881187"/>
+            <a:ext cx="8928991" cy="61780"/>
+          </a:xfrm>
+          <a:prstGeom prst="rect">
+            <a:avLst/>
+          </a:prstGeom>
+          <a:gradFill flip="none" rotWithShape="1">
+            <a:gsLst>
+              <a:gs pos="0">
+                <a:schemeClr val="accent6">
+                  <a:lumMod val="75000"/>
+                </a:schemeClr>
+              </a:gs>
+              <a:gs pos="50000">
+                <a:schemeClr val="accent6">
+                  <a:lumMod val="60000"/>
+                  <a:lumOff val="40000"/>
+                </a:schemeClr>
+              </a:gs>
+              <a:gs pos="100000">
+                <a:schemeClr val="accent6">
+                  <a:lumMod val="40000"/>
+                  <a:lumOff val="60000"/>
+                  <a:alpha val="0"/>
+                </a:schemeClr>
+              </a:gs>
+            </a:gsLst>
+            <a:lin ang="0" scaled="1"/>
+            <a:tileRect/>
+          </a:gradFill>
+          <a:ln>
+            <a:noFill/>
+          </a:ln>
+        </p:spPr>
+        <p:style>
+          <a:lnRef idx="2">
+            <a:schemeClr val="accent1">
+              <a:shade val="50000"/>
+            </a:schemeClr>
+          </a:lnRef>
+          <a:fillRef idx="1">
+            <a:schemeClr val="accent1"/>
+          </a:fillRef>
+          <a:effectRef idx="0">
+            <a:schemeClr val="accent1"/>
+          </a:effectRef>
+          <a:fontRef idx="minor">
+            <a:schemeClr val="lt1"/>
+          </a:fontRef>
+        </p:style>
+        <p:txBody>
+          <a:bodyPr rtlCol="0" anchor="ctr"/>
+          <a:lstStyle/>
+          <a:p>
+            <a:pPr algn="ctr"/>
+            <a:endParaRPr lang="en-IN" sz="1800"/>
+          </a:p>
+        </p:txBody>
+      </p:sp>
+    </p:spTree>
+    <p:extLst>
+      <p:ext uri="{BB962C8B-B14F-4D97-AF65-F5344CB8AC3E}">
+        <p14:creationId xmlns:p14="http://schemas.microsoft.com/office/powerpoint/2010/main" val="274325361"/>
+      </p:ext>
+    </p:extLst>
+  </p:cSld>
+  <p:clrMapOvr>
+    <a:masterClrMapping/>
+  </p:clrMapOvr>
 </p:sldLayout>
 </file>
 
@@ -5458,6 +8522,645 @@
       </p:par>
     </p:tnLst>
   </p:timing>
+</p:sldLayout>
+</file>
+
+<file path=ppt/slideLayouts/slideLayout8.xml><?xml version="1.0" encoding="utf-8"?>
+<p:sldLayout xmlns:a="http://schemas.openxmlformats.org/drawingml/2006/main" xmlns:r="http://schemas.openxmlformats.org/officeDocument/2006/relationships" xmlns:p="http://schemas.openxmlformats.org/presentationml/2006/main" type="title" preserve="1">
+  <p:cSld name="Title Slide">
+    <p:spTree>
+      <p:nvGrpSpPr>
+        <p:cNvPr id="1" name=""/>
+        <p:cNvGrpSpPr/>
+        <p:nvPr/>
+      </p:nvGrpSpPr>
+      <p:grpSpPr>
+        <a:xfrm>
+          <a:off x="0" y="0"/>
+          <a:ext cx="0" cy="0"/>
+          <a:chOff x="0" y="0"/>
+          <a:chExt cx="0" cy="0"/>
+        </a:xfrm>
+      </p:grpSpPr>
+      <p:sp>
+        <p:nvSpPr>
+          <p:cNvPr id="2" name="Title 1"/>
+          <p:cNvSpPr>
+            <a:spLocks noGrp="1"/>
+          </p:cNvSpPr>
+          <p:nvPr>
+            <p:ph type="ctrTitle"/>
+          </p:nvPr>
+        </p:nvSpPr>
+        <p:spPr>
+          <a:xfrm>
+            <a:off x="685800" y="2130427"/>
+            <a:ext cx="7772400" cy="1470025"/>
+          </a:xfrm>
+        </p:spPr>
+        <p:txBody>
+          <a:bodyPr>
+            <a:normAutofit/>
+          </a:bodyPr>
+          <a:lstStyle>
+            <a:lvl1pPr algn="ctr">
+              <a:defRPr sz="3000"/>
+            </a:lvl1pPr>
+          </a:lstStyle>
+          <a:p>
+            <a:r>
+              <a:rPr lang="en-US" smtClean="0"/>
+              <a:t>Click to edit Master title style</a:t>
+            </a:r>
+            <a:endParaRPr lang="en-IN" dirty="0"/>
+          </a:p>
+        </p:txBody>
+      </p:sp>
+      <p:sp>
+        <p:nvSpPr>
+          <p:cNvPr id="3" name="Subtitle 2"/>
+          <p:cNvSpPr>
+            <a:spLocks noGrp="1"/>
+          </p:cNvSpPr>
+          <p:nvPr>
+            <p:ph type="subTitle" idx="1"/>
+          </p:nvPr>
+        </p:nvSpPr>
+        <p:spPr>
+          <a:xfrm>
+            <a:off x="1371600" y="3886200"/>
+            <a:ext cx="6400800" cy="1752600"/>
+          </a:xfrm>
+        </p:spPr>
+        <p:txBody>
+          <a:bodyPr/>
+          <a:lstStyle>
+            <a:lvl1pPr marL="0" indent="0" algn="ctr">
+              <a:buNone/>
+              <a:defRPr>
+                <a:solidFill>
+                  <a:schemeClr val="tx1">
+                    <a:tint val="75000"/>
+                  </a:schemeClr>
+                </a:solidFill>
+              </a:defRPr>
+            </a:lvl1pPr>
+            <a:lvl2pPr marL="380985" indent="0" algn="ctr">
+              <a:buNone/>
+              <a:defRPr>
+                <a:solidFill>
+                  <a:schemeClr val="tx1">
+                    <a:tint val="75000"/>
+                  </a:schemeClr>
+                </a:solidFill>
+              </a:defRPr>
+            </a:lvl2pPr>
+            <a:lvl3pPr marL="761970" indent="0" algn="ctr">
+              <a:buNone/>
+              <a:defRPr>
+                <a:solidFill>
+                  <a:schemeClr val="tx1">
+                    <a:tint val="75000"/>
+                  </a:schemeClr>
+                </a:solidFill>
+              </a:defRPr>
+            </a:lvl3pPr>
+            <a:lvl4pPr marL="1142954" indent="0" algn="ctr">
+              <a:buNone/>
+              <a:defRPr>
+                <a:solidFill>
+                  <a:schemeClr val="tx1">
+                    <a:tint val="75000"/>
+                  </a:schemeClr>
+                </a:solidFill>
+              </a:defRPr>
+            </a:lvl4pPr>
+            <a:lvl5pPr marL="1523939" indent="0" algn="ctr">
+              <a:buNone/>
+              <a:defRPr>
+                <a:solidFill>
+                  <a:schemeClr val="tx1">
+                    <a:tint val="75000"/>
+                  </a:schemeClr>
+                </a:solidFill>
+              </a:defRPr>
+            </a:lvl5pPr>
+            <a:lvl6pPr marL="1904924" indent="0" algn="ctr">
+              <a:buNone/>
+              <a:defRPr>
+                <a:solidFill>
+                  <a:schemeClr val="tx1">
+                    <a:tint val="75000"/>
+                  </a:schemeClr>
+                </a:solidFill>
+              </a:defRPr>
+            </a:lvl6pPr>
+            <a:lvl7pPr marL="2285909" indent="0" algn="ctr">
+              <a:buNone/>
+              <a:defRPr>
+                <a:solidFill>
+                  <a:schemeClr val="tx1">
+                    <a:tint val="75000"/>
+                  </a:schemeClr>
+                </a:solidFill>
+              </a:defRPr>
+            </a:lvl7pPr>
+            <a:lvl8pPr marL="2666893" indent="0" algn="ctr">
+              <a:buNone/>
+              <a:defRPr>
+                <a:solidFill>
+                  <a:schemeClr val="tx1">
+                    <a:tint val="75000"/>
+                  </a:schemeClr>
+                </a:solidFill>
+              </a:defRPr>
+            </a:lvl8pPr>
+            <a:lvl9pPr marL="3047878" indent="0" algn="ctr">
+              <a:buNone/>
+              <a:defRPr>
+                <a:solidFill>
+                  <a:schemeClr val="tx1">
+                    <a:tint val="75000"/>
+                  </a:schemeClr>
+                </a:solidFill>
+              </a:defRPr>
+            </a:lvl9pPr>
+          </a:lstStyle>
+          <a:p>
+            <a:r>
+              <a:rPr lang="en-US" smtClean="0"/>
+              <a:t>Click to edit Master subtitle style</a:t>
+            </a:r>
+            <a:endParaRPr lang="en-IN"/>
+          </a:p>
+        </p:txBody>
+      </p:sp>
+      <p:sp>
+        <p:nvSpPr>
+          <p:cNvPr id="4" name="Date Placeholder 3"/>
+          <p:cNvSpPr>
+            <a:spLocks noGrp="1"/>
+          </p:cNvSpPr>
+          <p:nvPr>
+            <p:ph type="dt" sz="half" idx="10"/>
+          </p:nvPr>
+        </p:nvSpPr>
+        <p:spPr/>
+        <p:txBody>
+          <a:bodyPr/>
+          <a:lstStyle/>
+          <a:p>
+            <a:fld id="{78B0DCC0-9900-4B1E-A8CE-EA8D84B7A17F}" type="datetime1">
+              <a:rPr lang="en-IN" smtClean="0"/>
+              <a:t>07/08/15</a:t>
+            </a:fld>
+            <a:endParaRPr lang="en-IN"/>
+          </a:p>
+        </p:txBody>
+      </p:sp>
+      <p:sp>
+        <p:nvSpPr>
+          <p:cNvPr id="5" name="Footer Placeholder 4"/>
+          <p:cNvSpPr>
+            <a:spLocks noGrp="1"/>
+          </p:cNvSpPr>
+          <p:nvPr>
+            <p:ph type="ftr" sz="quarter" idx="11"/>
+          </p:nvPr>
+        </p:nvSpPr>
+        <p:spPr/>
+        <p:txBody>
+          <a:bodyPr/>
+          <a:lstStyle/>
+          <a:p>
+            <a:endParaRPr lang="en-IN"/>
+          </a:p>
+        </p:txBody>
+      </p:sp>
+      <p:sp>
+        <p:nvSpPr>
+          <p:cNvPr id="6" name="Slide Number Placeholder 5"/>
+          <p:cNvSpPr>
+            <a:spLocks noGrp="1"/>
+          </p:cNvSpPr>
+          <p:nvPr>
+            <p:ph type="sldNum" sz="quarter" idx="12"/>
+          </p:nvPr>
+        </p:nvSpPr>
+        <p:spPr/>
+        <p:txBody>
+          <a:bodyPr/>
+          <a:lstStyle/>
+          <a:p>
+            <a:fld id="{00000000-1234-1234-1234-123412341234}" type="slidenum">
+              <a:rPr lang="en" smtClean="0"/>
+              <a:pPr/>
+              <a:t>‹#›</a:t>
+            </a:fld>
+            <a:endParaRPr lang="en"/>
+          </a:p>
+        </p:txBody>
+      </p:sp>
+      <p:sp>
+        <p:nvSpPr>
+          <p:cNvPr id="7" name="Rectangle 6"/>
+          <p:cNvSpPr/>
+          <p:nvPr/>
+        </p:nvSpPr>
+        <p:spPr>
+          <a:xfrm>
+            <a:off x="9036498" y="0"/>
+            <a:ext cx="107503" cy="6858000"/>
+          </a:xfrm>
+          <a:prstGeom prst="rect">
+            <a:avLst/>
+          </a:prstGeom>
+          <a:gradFill>
+            <a:gsLst>
+              <a:gs pos="0">
+                <a:schemeClr val="accent6">
+                  <a:lumMod val="75000"/>
+                </a:schemeClr>
+              </a:gs>
+              <a:gs pos="50000">
+                <a:schemeClr val="accent6">
+                  <a:lumMod val="60000"/>
+                  <a:lumOff val="40000"/>
+                </a:schemeClr>
+              </a:gs>
+              <a:gs pos="100000">
+                <a:schemeClr val="accent6">
+                  <a:lumMod val="40000"/>
+                  <a:lumOff val="60000"/>
+                  <a:alpha val="69000"/>
+                </a:schemeClr>
+              </a:gs>
+            </a:gsLst>
+            <a:lin ang="5400000" scaled="0"/>
+          </a:gradFill>
+          <a:ln>
+            <a:noFill/>
+          </a:ln>
+        </p:spPr>
+        <p:style>
+          <a:lnRef idx="2">
+            <a:schemeClr val="accent1">
+              <a:shade val="50000"/>
+            </a:schemeClr>
+          </a:lnRef>
+          <a:fillRef idx="1">
+            <a:schemeClr val="accent1"/>
+          </a:fillRef>
+          <a:effectRef idx="0">
+            <a:schemeClr val="accent1"/>
+          </a:effectRef>
+          <a:fontRef idx="minor">
+            <a:schemeClr val="lt1"/>
+          </a:fontRef>
+        </p:style>
+        <p:txBody>
+          <a:bodyPr rtlCol="0" anchor="ctr"/>
+          <a:lstStyle/>
+          <a:p>
+            <a:pPr algn="ctr"/>
+            <a:endParaRPr lang="en-IN" sz="1167"/>
+          </a:p>
+        </p:txBody>
+      </p:sp>
+    </p:spTree>
+    <p:extLst>
+      <p:ext uri="{BB962C8B-B14F-4D97-AF65-F5344CB8AC3E}">
+        <p14:creationId xmlns:p14="http://schemas.microsoft.com/office/powerpoint/2010/main" val="933596911"/>
+      </p:ext>
+    </p:extLst>
+  </p:cSld>
+  <p:clrMapOvr>
+    <a:masterClrMapping/>
+  </p:clrMapOvr>
+</p:sldLayout>
+</file>
+
+<file path=ppt/slideLayouts/slideLayout9.xml><?xml version="1.0" encoding="utf-8"?>
+<p:sldLayout xmlns:a="http://schemas.openxmlformats.org/drawingml/2006/main" xmlns:r="http://schemas.openxmlformats.org/officeDocument/2006/relationships" xmlns:p="http://schemas.openxmlformats.org/presentationml/2006/main" type="obj" preserve="1">
+  <p:cSld name="Title and Content">
+    <p:spTree>
+      <p:nvGrpSpPr>
+        <p:cNvPr id="1" name=""/>
+        <p:cNvGrpSpPr/>
+        <p:nvPr/>
+      </p:nvGrpSpPr>
+      <p:grpSpPr>
+        <a:xfrm>
+          <a:off x="0" y="0"/>
+          <a:ext cx="0" cy="0"/>
+          <a:chOff x="0" y="0"/>
+          <a:chExt cx="0" cy="0"/>
+        </a:xfrm>
+      </p:grpSpPr>
+      <p:sp>
+        <p:nvSpPr>
+          <p:cNvPr id="2" name="Title 1"/>
+          <p:cNvSpPr>
+            <a:spLocks noGrp="1"/>
+          </p:cNvSpPr>
+          <p:nvPr>
+            <p:ph type="title"/>
+          </p:nvPr>
+        </p:nvSpPr>
+        <p:spPr/>
+        <p:txBody>
+          <a:bodyPr/>
+          <a:lstStyle/>
+          <a:p>
+            <a:r>
+              <a:rPr lang="en-US" smtClean="0"/>
+              <a:t>Click to edit Master title style</a:t>
+            </a:r>
+            <a:endParaRPr lang="en-IN"/>
+          </a:p>
+        </p:txBody>
+      </p:sp>
+      <p:sp>
+        <p:nvSpPr>
+          <p:cNvPr id="3" name="Content Placeholder 2"/>
+          <p:cNvSpPr>
+            <a:spLocks noGrp="1"/>
+          </p:cNvSpPr>
+          <p:nvPr>
+            <p:ph idx="1"/>
+          </p:nvPr>
+        </p:nvSpPr>
+        <p:spPr>
+          <a:xfrm>
+            <a:off x="107505" y="764704"/>
+            <a:ext cx="8928992" cy="5544616"/>
+          </a:xfrm>
+        </p:spPr>
+        <p:txBody>
+          <a:bodyPr/>
+          <a:lstStyle/>
+          <a:p>
+            <a:pPr lvl="0"/>
+            <a:r>
+              <a:rPr lang="en-US" smtClean="0"/>
+              <a:t>Click to edit Master text styles</a:t>
+            </a:r>
+          </a:p>
+          <a:p>
+            <a:pPr lvl="1"/>
+            <a:r>
+              <a:rPr lang="en-US" smtClean="0"/>
+              <a:t>Second level</a:t>
+            </a:r>
+          </a:p>
+          <a:p>
+            <a:pPr lvl="2"/>
+            <a:r>
+              <a:rPr lang="en-US" smtClean="0"/>
+              <a:t>Third level</a:t>
+            </a:r>
+          </a:p>
+          <a:p>
+            <a:pPr lvl="3"/>
+            <a:r>
+              <a:rPr lang="en-US" smtClean="0"/>
+              <a:t>Fourth level</a:t>
+            </a:r>
+          </a:p>
+          <a:p>
+            <a:pPr lvl="4"/>
+            <a:r>
+              <a:rPr lang="en-US" smtClean="0"/>
+              <a:t>Fifth level</a:t>
+            </a:r>
+            <a:endParaRPr lang="en-IN" dirty="0"/>
+          </a:p>
+        </p:txBody>
+      </p:sp>
+      <p:sp>
+        <p:nvSpPr>
+          <p:cNvPr id="4" name="Date Placeholder 3"/>
+          <p:cNvSpPr>
+            <a:spLocks noGrp="1"/>
+          </p:cNvSpPr>
+          <p:nvPr>
+            <p:ph type="dt" sz="half" idx="10"/>
+          </p:nvPr>
+        </p:nvSpPr>
+        <p:spPr>
+          <a:xfrm>
+            <a:off x="87200" y="6469087"/>
+            <a:ext cx="2133600" cy="365125"/>
+          </a:xfrm>
+        </p:spPr>
+        <p:txBody>
+          <a:bodyPr/>
+          <a:lstStyle/>
+          <a:p>
+            <a:fld id="{F63C2629-B126-4F37-BADF-9AA3FDC912F8}" type="datetime1">
+              <a:rPr lang="en-IN" smtClean="0"/>
+              <a:t>07/08/15</a:t>
+            </a:fld>
+            <a:endParaRPr lang="en-IN"/>
+          </a:p>
+        </p:txBody>
+      </p:sp>
+      <p:sp>
+        <p:nvSpPr>
+          <p:cNvPr id="5" name="Footer Placeholder 4"/>
+          <p:cNvSpPr>
+            <a:spLocks noGrp="1"/>
+          </p:cNvSpPr>
+          <p:nvPr>
+            <p:ph type="ftr" sz="quarter" idx="11"/>
+          </p:nvPr>
+        </p:nvSpPr>
+        <p:spPr>
+          <a:xfrm>
+            <a:off x="3170450" y="6469087"/>
+            <a:ext cx="2895600" cy="365125"/>
+          </a:xfrm>
+        </p:spPr>
+        <p:txBody>
+          <a:bodyPr/>
+          <a:lstStyle/>
+          <a:p>
+            <a:endParaRPr lang="en-IN" dirty="0"/>
+          </a:p>
+        </p:txBody>
+      </p:sp>
+      <p:sp>
+        <p:nvSpPr>
+          <p:cNvPr id="6" name="Slide Number Placeholder 5"/>
+          <p:cNvSpPr>
+            <a:spLocks noGrp="1"/>
+          </p:cNvSpPr>
+          <p:nvPr>
+            <p:ph type="sldNum" sz="quarter" idx="12"/>
+          </p:nvPr>
+        </p:nvSpPr>
+        <p:spPr>
+          <a:xfrm>
+            <a:off x="6883400" y="6480350"/>
+            <a:ext cx="2133600" cy="365125"/>
+          </a:xfrm>
+        </p:spPr>
+        <p:txBody>
+          <a:bodyPr/>
+          <a:lstStyle/>
+          <a:p>
+            <a:fld id="{00000000-1234-1234-1234-123412341234}" type="slidenum">
+              <a:rPr lang="en" smtClean="0"/>
+              <a:pPr/>
+              <a:t>‹#›</a:t>
+            </a:fld>
+            <a:endParaRPr lang="en"/>
+          </a:p>
+        </p:txBody>
+      </p:sp>
+      <p:sp>
+        <p:nvSpPr>
+          <p:cNvPr id="8" name="Rectangle 7"/>
+          <p:cNvSpPr/>
+          <p:nvPr/>
+        </p:nvSpPr>
+        <p:spPr>
+          <a:xfrm>
+            <a:off x="9036498" y="0"/>
+            <a:ext cx="107503" cy="6858000"/>
+          </a:xfrm>
+          <a:prstGeom prst="rect">
+            <a:avLst/>
+          </a:prstGeom>
+          <a:gradFill>
+            <a:gsLst>
+              <a:gs pos="0">
+                <a:schemeClr val="accent6">
+                  <a:lumMod val="75000"/>
+                </a:schemeClr>
+              </a:gs>
+              <a:gs pos="50000">
+                <a:schemeClr val="accent6">
+                  <a:lumMod val="60000"/>
+                  <a:lumOff val="40000"/>
+                </a:schemeClr>
+              </a:gs>
+              <a:gs pos="100000">
+                <a:schemeClr val="accent6">
+                  <a:lumMod val="40000"/>
+                  <a:lumOff val="60000"/>
+                  <a:alpha val="69000"/>
+                </a:schemeClr>
+              </a:gs>
+            </a:gsLst>
+            <a:lin ang="5400000" scaled="0"/>
+          </a:gradFill>
+          <a:ln>
+            <a:noFill/>
+          </a:ln>
+        </p:spPr>
+        <p:style>
+          <a:lnRef idx="2">
+            <a:schemeClr val="accent1">
+              <a:shade val="50000"/>
+            </a:schemeClr>
+          </a:lnRef>
+          <a:fillRef idx="1">
+            <a:schemeClr val="accent1"/>
+          </a:fillRef>
+          <a:effectRef idx="0">
+            <a:schemeClr val="accent1"/>
+          </a:effectRef>
+          <a:fontRef idx="minor">
+            <a:schemeClr val="lt1"/>
+          </a:fontRef>
+        </p:style>
+        <p:txBody>
+          <a:bodyPr rtlCol="0" anchor="ctr"/>
+          <a:lstStyle/>
+          <a:p>
+            <a:pPr algn="ctr"/>
+            <a:endParaRPr lang="en-IN" sz="1167"/>
+          </a:p>
+        </p:txBody>
+      </p:sp>
+      <p:sp>
+        <p:nvSpPr>
+          <p:cNvPr id="9" name="Rectangle 8"/>
+          <p:cNvSpPr/>
+          <p:nvPr/>
+        </p:nvSpPr>
+        <p:spPr>
+          <a:xfrm rot="10800000" flipV="1">
+            <a:off x="107505" y="702924"/>
+            <a:ext cx="8928991" cy="61780"/>
+          </a:xfrm>
+          <a:prstGeom prst="rect">
+            <a:avLst/>
+          </a:prstGeom>
+          <a:gradFill flip="none" rotWithShape="1">
+            <a:gsLst>
+              <a:gs pos="0">
+                <a:schemeClr val="accent6">
+                  <a:lumMod val="75000"/>
+                </a:schemeClr>
+              </a:gs>
+              <a:gs pos="50000">
+                <a:schemeClr val="accent6">
+                  <a:lumMod val="60000"/>
+                  <a:lumOff val="40000"/>
+                </a:schemeClr>
+              </a:gs>
+              <a:gs pos="100000">
+                <a:schemeClr val="accent6">
+                  <a:lumMod val="40000"/>
+                  <a:lumOff val="60000"/>
+                  <a:alpha val="0"/>
+                </a:schemeClr>
+              </a:gs>
+            </a:gsLst>
+            <a:lin ang="0" scaled="1"/>
+            <a:tileRect/>
+          </a:gradFill>
+          <a:ln>
+            <a:noFill/>
+          </a:ln>
+        </p:spPr>
+        <p:style>
+          <a:lnRef idx="2">
+            <a:schemeClr val="accent1">
+              <a:shade val="50000"/>
+            </a:schemeClr>
+          </a:lnRef>
+          <a:fillRef idx="1">
+            <a:schemeClr val="accent1"/>
+          </a:fillRef>
+          <a:effectRef idx="0">
+            <a:schemeClr val="accent1"/>
+          </a:effectRef>
+          <a:fontRef idx="minor">
+            <a:schemeClr val="lt1"/>
+          </a:fontRef>
+        </p:style>
+        <p:txBody>
+          <a:bodyPr rtlCol="0" anchor="ctr"/>
+          <a:lstStyle/>
+          <a:p>
+            <a:pPr algn="ctr"/>
+            <a:endParaRPr lang="en-IN" sz="1800"/>
+          </a:p>
+        </p:txBody>
+      </p:sp>
+    </p:spTree>
+    <p:extLst>
+      <p:ext uri="{BB962C8B-B14F-4D97-AF65-F5344CB8AC3E}">
+        <p14:creationId xmlns:p14="http://schemas.microsoft.com/office/powerpoint/2010/main" val="674402557"/>
+      </p:ext>
+    </p:extLst>
+  </p:cSld>
+  <p:clrMapOvr>
+    <a:masterClrMapping/>
+  </p:clrMapOvr>
 </p:sldLayout>
 </file>
 
@@ -6437,6 +10140,518 @@
 </p:sldMaster>
 </file>
 
+<file path=ppt/slideMasters/slideMaster2.xml><?xml version="1.0" encoding="utf-8"?>
+<p:sldMaster xmlns:a="http://schemas.openxmlformats.org/drawingml/2006/main" xmlns:r="http://schemas.openxmlformats.org/officeDocument/2006/relationships" xmlns:p="http://schemas.openxmlformats.org/presentationml/2006/main">
+  <p:cSld>
+    <p:bg>
+      <p:bgRef idx="1001">
+        <a:schemeClr val="bg1"/>
+      </p:bgRef>
+    </p:bg>
+    <p:spTree>
+      <p:nvGrpSpPr>
+        <p:cNvPr id="1" name=""/>
+        <p:cNvGrpSpPr/>
+        <p:nvPr/>
+      </p:nvGrpSpPr>
+      <p:grpSpPr>
+        <a:xfrm>
+          <a:off x="0" y="0"/>
+          <a:ext cx="0" cy="0"/>
+          <a:chOff x="0" y="0"/>
+          <a:chExt cx="0" cy="0"/>
+        </a:xfrm>
+      </p:grpSpPr>
+      <p:sp>
+        <p:nvSpPr>
+          <p:cNvPr id="2" name="Title Placeholder 1"/>
+          <p:cNvSpPr>
+            <a:spLocks noGrp="1"/>
+          </p:cNvSpPr>
+          <p:nvPr>
+            <p:ph type="title"/>
+          </p:nvPr>
+        </p:nvSpPr>
+        <p:spPr>
+          <a:xfrm>
+            <a:off x="107505" y="116633"/>
+            <a:ext cx="8928992" cy="576064"/>
+          </a:xfrm>
+          <a:prstGeom prst="rect">
+            <a:avLst/>
+          </a:prstGeom>
+        </p:spPr>
+        <p:txBody>
+          <a:bodyPr vert="horz" lIns="91440" tIns="45720" rIns="91440" bIns="45720" rtlCol="0" anchor="ctr">
+            <a:normAutofit/>
+          </a:bodyPr>
+          <a:lstStyle/>
+          <a:p>
+            <a:r>
+              <a:rPr lang="en-US" smtClean="0"/>
+              <a:t>Click to edit Master title style</a:t>
+            </a:r>
+            <a:endParaRPr lang="en-IN" dirty="0"/>
+          </a:p>
+        </p:txBody>
+      </p:sp>
+      <p:sp>
+        <p:nvSpPr>
+          <p:cNvPr id="3" name="Text Placeholder 2"/>
+          <p:cNvSpPr>
+            <a:spLocks noGrp="1"/>
+          </p:cNvSpPr>
+          <p:nvPr>
+            <p:ph type="body" idx="1"/>
+          </p:nvPr>
+        </p:nvSpPr>
+        <p:spPr>
+          <a:xfrm>
+            <a:off x="107505" y="764704"/>
+            <a:ext cx="8928992" cy="5544616"/>
+          </a:xfrm>
+          <a:prstGeom prst="rect">
+            <a:avLst/>
+          </a:prstGeom>
+        </p:spPr>
+        <p:txBody>
+          <a:bodyPr vert="horz" lIns="91440" tIns="45720" rIns="91440" bIns="45720" rtlCol="0">
+            <a:normAutofit/>
+          </a:bodyPr>
+          <a:lstStyle/>
+          <a:p>
+            <a:pPr lvl="0"/>
+            <a:r>
+              <a:rPr lang="en-US" smtClean="0"/>
+              <a:t>Click to edit Master text styles</a:t>
+            </a:r>
+          </a:p>
+          <a:p>
+            <a:pPr lvl="1"/>
+            <a:r>
+              <a:rPr lang="en-US" smtClean="0"/>
+              <a:t>Second level</a:t>
+            </a:r>
+          </a:p>
+          <a:p>
+            <a:pPr lvl="2"/>
+            <a:r>
+              <a:rPr lang="en-US" smtClean="0"/>
+              <a:t>Third level</a:t>
+            </a:r>
+          </a:p>
+          <a:p>
+            <a:pPr lvl="3"/>
+            <a:r>
+              <a:rPr lang="en-US" smtClean="0"/>
+              <a:t>Fourth level</a:t>
+            </a:r>
+          </a:p>
+          <a:p>
+            <a:pPr lvl="4"/>
+            <a:r>
+              <a:rPr lang="en-US" smtClean="0"/>
+              <a:t>Fifth level</a:t>
+            </a:r>
+            <a:endParaRPr lang="en-IN" dirty="0"/>
+          </a:p>
+        </p:txBody>
+      </p:sp>
+      <p:sp>
+        <p:nvSpPr>
+          <p:cNvPr id="4" name="Date Placeholder 3"/>
+          <p:cNvSpPr>
+            <a:spLocks noGrp="1"/>
+          </p:cNvSpPr>
+          <p:nvPr>
+            <p:ph type="dt" sz="half" idx="2"/>
+          </p:nvPr>
+        </p:nvSpPr>
+        <p:spPr>
+          <a:xfrm>
+            <a:off x="29388" y="6469087"/>
+            <a:ext cx="2133600" cy="365125"/>
+          </a:xfrm>
+          <a:prstGeom prst="rect">
+            <a:avLst/>
+          </a:prstGeom>
+        </p:spPr>
+        <p:txBody>
+          <a:bodyPr vert="horz" lIns="91440" tIns="45720" rIns="91440" bIns="45720" rtlCol="0" anchor="ctr"/>
+          <a:lstStyle>
+            <a:lvl1pPr algn="l">
+              <a:defRPr sz="1000">
+                <a:solidFill>
+                  <a:schemeClr val="tx1">
+                    <a:tint val="75000"/>
+                  </a:schemeClr>
+                </a:solidFill>
+              </a:defRPr>
+            </a:lvl1pPr>
+          </a:lstStyle>
+          <a:p>
+            <a:fld id="{B57398CD-D333-41D1-B0FA-0A11BA458922}" type="datetime1">
+              <a:rPr lang="en-IN" smtClean="0"/>
+              <a:t>07/08/15</a:t>
+            </a:fld>
+            <a:endParaRPr lang="en-IN"/>
+          </a:p>
+        </p:txBody>
+      </p:sp>
+      <p:sp>
+        <p:nvSpPr>
+          <p:cNvPr id="5" name="Footer Placeholder 4"/>
+          <p:cNvSpPr>
+            <a:spLocks noGrp="1"/>
+          </p:cNvSpPr>
+          <p:nvPr>
+            <p:ph type="ftr" sz="quarter" idx="3"/>
+          </p:nvPr>
+        </p:nvSpPr>
+        <p:spPr>
+          <a:xfrm>
+            <a:off x="3147325" y="6469087"/>
+            <a:ext cx="2895600" cy="365125"/>
+          </a:xfrm>
+          <a:prstGeom prst="rect">
+            <a:avLst/>
+          </a:prstGeom>
+        </p:spPr>
+        <p:txBody>
+          <a:bodyPr vert="horz" lIns="91440" tIns="45720" rIns="91440" bIns="45720" rtlCol="0" anchor="ctr"/>
+          <a:lstStyle>
+            <a:lvl1pPr algn="ctr">
+              <a:defRPr sz="1000">
+                <a:solidFill>
+                  <a:schemeClr val="tx1">
+                    <a:tint val="75000"/>
+                  </a:schemeClr>
+                </a:solidFill>
+              </a:defRPr>
+            </a:lvl1pPr>
+          </a:lstStyle>
+          <a:p>
+            <a:endParaRPr lang="en-IN"/>
+          </a:p>
+        </p:txBody>
+      </p:sp>
+      <p:sp>
+        <p:nvSpPr>
+          <p:cNvPr id="6" name="Slide Number Placeholder 5"/>
+          <p:cNvSpPr>
+            <a:spLocks noGrp="1"/>
+          </p:cNvSpPr>
+          <p:nvPr>
+            <p:ph type="sldNum" sz="quarter" idx="4"/>
+          </p:nvPr>
+        </p:nvSpPr>
+        <p:spPr>
+          <a:xfrm>
+            <a:off x="6873577" y="6474087"/>
+            <a:ext cx="2133600" cy="365125"/>
+          </a:xfrm>
+          <a:prstGeom prst="rect">
+            <a:avLst/>
+          </a:prstGeom>
+        </p:spPr>
+        <p:txBody>
+          <a:bodyPr vert="horz" lIns="91440" tIns="45720" rIns="91440" bIns="45720" rtlCol="0" anchor="ctr"/>
+          <a:lstStyle>
+            <a:lvl1pPr algn="r">
+              <a:defRPr sz="1000">
+                <a:solidFill>
+                  <a:schemeClr val="tx1">
+                    <a:tint val="75000"/>
+                  </a:schemeClr>
+                </a:solidFill>
+              </a:defRPr>
+            </a:lvl1pPr>
+          </a:lstStyle>
+          <a:p>
+            <a:fld id="{00000000-1234-1234-1234-123412341234}" type="slidenum">
+              <a:rPr lang="en" smtClean="0"/>
+              <a:pPr/>
+              <a:t>‹#›</a:t>
+            </a:fld>
+            <a:endParaRPr lang="en"/>
+          </a:p>
+        </p:txBody>
+      </p:sp>
+    </p:spTree>
+    <p:extLst>
+      <p:ext uri="{BB962C8B-B14F-4D97-AF65-F5344CB8AC3E}">
+        <p14:creationId xmlns:p14="http://schemas.microsoft.com/office/powerpoint/2010/main" val="573666704"/>
+      </p:ext>
+    </p:extLst>
+  </p:cSld>
+  <p:clrMap bg1="lt1" tx1="dk1" bg2="lt2" tx2="dk2" accent1="accent1" accent2="accent2" accent3="accent3" accent4="accent4" accent5="accent5" accent6="accent6" hlink="hlink" folHlink="folHlink"/>
+  <p:sldLayoutIdLst>
+    <p:sldLayoutId id="2147483669" r:id="rId1"/>
+    <p:sldLayoutId id="2147483670" r:id="rId2"/>
+    <p:sldLayoutId id="2147483671" r:id="rId3"/>
+    <p:sldLayoutId id="2147483672" r:id="rId4"/>
+    <p:sldLayoutId id="2147483673" r:id="rId5"/>
+    <p:sldLayoutId id="2147483674" r:id="rId6"/>
+    <p:sldLayoutId id="2147483675" r:id="rId7"/>
+    <p:sldLayoutId id="2147483676" r:id="rId8"/>
+    <p:sldLayoutId id="2147483677" r:id="rId9"/>
+    <p:sldLayoutId id="2147483678" r:id="rId10"/>
+    <p:sldLayoutId id="2147483679" r:id="rId11"/>
+    <p:sldLayoutId id="2147483680" r:id="rId12"/>
+  </p:sldLayoutIdLst>
+  <p:txStyles>
+    <p:titleStyle>
+      <a:lvl1pPr algn="l" defTabSz="761970" rtl="0" eaLnBrk="1" latinLnBrk="0" hangingPunct="1">
+        <a:spcBef>
+          <a:spcPct val="0"/>
+        </a:spcBef>
+        <a:buNone/>
+        <a:defRPr sz="2667" kern="1200">
+          <a:solidFill>
+            <a:schemeClr val="tx1"/>
+          </a:solidFill>
+          <a:latin typeface="+mj-lt"/>
+          <a:ea typeface="+mj-ea"/>
+          <a:cs typeface="+mj-cs"/>
+        </a:defRPr>
+      </a:lvl1pPr>
+    </p:titleStyle>
+    <p:bodyStyle>
+      <a:lvl1pPr marL="285739" indent="-285739" algn="l" defTabSz="761970" rtl="0" eaLnBrk="1" latinLnBrk="0" hangingPunct="1">
+        <a:spcBef>
+          <a:spcPct val="20000"/>
+        </a:spcBef>
+        <a:buFont typeface="Arial" panose="020B0604020202020204" pitchFamily="34" charset="0"/>
+        <a:buChar char="•"/>
+        <a:defRPr sz="1833" kern="1200">
+          <a:solidFill>
+            <a:schemeClr val="tx1"/>
+          </a:solidFill>
+          <a:latin typeface="+mn-lt"/>
+          <a:ea typeface="+mn-ea"/>
+          <a:cs typeface="+mn-cs"/>
+        </a:defRPr>
+      </a:lvl1pPr>
+      <a:lvl2pPr marL="619100" indent="-238115" algn="l" defTabSz="761970" rtl="0" eaLnBrk="1" latinLnBrk="0" hangingPunct="1">
+        <a:spcBef>
+          <a:spcPct val="20000"/>
+        </a:spcBef>
+        <a:buFont typeface="Arial" panose="020B0604020202020204" pitchFamily="34" charset="0"/>
+        <a:buChar char="–"/>
+        <a:defRPr sz="1667" kern="1200">
+          <a:solidFill>
+            <a:schemeClr val="tx1"/>
+          </a:solidFill>
+          <a:latin typeface="+mn-lt"/>
+          <a:ea typeface="+mn-ea"/>
+          <a:cs typeface="+mn-cs"/>
+        </a:defRPr>
+      </a:lvl2pPr>
+      <a:lvl3pPr marL="952462" indent="-190492" algn="l" defTabSz="761970" rtl="0" eaLnBrk="1" latinLnBrk="0" hangingPunct="1">
+        <a:spcBef>
+          <a:spcPct val="20000"/>
+        </a:spcBef>
+        <a:buFont typeface="Arial" panose="020B0604020202020204" pitchFamily="34" charset="0"/>
+        <a:buChar char="•"/>
+        <a:defRPr sz="1500" kern="1200">
+          <a:solidFill>
+            <a:schemeClr val="tx1"/>
+          </a:solidFill>
+          <a:latin typeface="+mn-lt"/>
+          <a:ea typeface="+mn-ea"/>
+          <a:cs typeface="+mn-cs"/>
+        </a:defRPr>
+      </a:lvl3pPr>
+      <a:lvl4pPr marL="1333447" indent="-190492" algn="l" defTabSz="761970" rtl="0" eaLnBrk="1" latinLnBrk="0" hangingPunct="1">
+        <a:spcBef>
+          <a:spcPct val="20000"/>
+        </a:spcBef>
+        <a:buFont typeface="Arial" panose="020B0604020202020204" pitchFamily="34" charset="0"/>
+        <a:buChar char="–"/>
+        <a:defRPr sz="1333" kern="1200">
+          <a:solidFill>
+            <a:schemeClr val="tx1"/>
+          </a:solidFill>
+          <a:latin typeface="+mn-lt"/>
+          <a:ea typeface="+mn-ea"/>
+          <a:cs typeface="+mn-cs"/>
+        </a:defRPr>
+      </a:lvl4pPr>
+      <a:lvl5pPr marL="1714431" indent="-190492" algn="l" defTabSz="761970" rtl="0" eaLnBrk="1" latinLnBrk="0" hangingPunct="1">
+        <a:spcBef>
+          <a:spcPct val="20000"/>
+        </a:spcBef>
+        <a:buFont typeface="Arial" panose="020B0604020202020204" pitchFamily="34" charset="0"/>
+        <a:buChar char="»"/>
+        <a:defRPr sz="1167" kern="1200">
+          <a:solidFill>
+            <a:schemeClr val="tx1"/>
+          </a:solidFill>
+          <a:latin typeface="+mn-lt"/>
+          <a:ea typeface="+mn-ea"/>
+          <a:cs typeface="+mn-cs"/>
+        </a:defRPr>
+      </a:lvl5pPr>
+      <a:lvl6pPr marL="2095416" indent="-190492" algn="l" defTabSz="761970" rtl="0" eaLnBrk="1" latinLnBrk="0" hangingPunct="1">
+        <a:spcBef>
+          <a:spcPct val="20000"/>
+        </a:spcBef>
+        <a:buFont typeface="Arial" panose="020B0604020202020204" pitchFamily="34" charset="0"/>
+        <a:buChar char="•"/>
+        <a:defRPr sz="1667" kern="1200">
+          <a:solidFill>
+            <a:schemeClr val="tx1"/>
+          </a:solidFill>
+          <a:latin typeface="+mn-lt"/>
+          <a:ea typeface="+mn-ea"/>
+          <a:cs typeface="+mn-cs"/>
+        </a:defRPr>
+      </a:lvl6pPr>
+      <a:lvl7pPr marL="2476401" indent="-190492" algn="l" defTabSz="761970" rtl="0" eaLnBrk="1" latinLnBrk="0" hangingPunct="1">
+        <a:spcBef>
+          <a:spcPct val="20000"/>
+        </a:spcBef>
+        <a:buFont typeface="Arial" panose="020B0604020202020204" pitchFamily="34" charset="0"/>
+        <a:buChar char="•"/>
+        <a:defRPr sz="1667" kern="1200">
+          <a:solidFill>
+            <a:schemeClr val="tx1"/>
+          </a:solidFill>
+          <a:latin typeface="+mn-lt"/>
+          <a:ea typeface="+mn-ea"/>
+          <a:cs typeface="+mn-cs"/>
+        </a:defRPr>
+      </a:lvl7pPr>
+      <a:lvl8pPr marL="2857386" indent="-190492" algn="l" defTabSz="761970" rtl="0" eaLnBrk="1" latinLnBrk="0" hangingPunct="1">
+        <a:spcBef>
+          <a:spcPct val="20000"/>
+        </a:spcBef>
+        <a:buFont typeface="Arial" panose="020B0604020202020204" pitchFamily="34" charset="0"/>
+        <a:buChar char="•"/>
+        <a:defRPr sz="1667" kern="1200">
+          <a:solidFill>
+            <a:schemeClr val="tx1"/>
+          </a:solidFill>
+          <a:latin typeface="+mn-lt"/>
+          <a:ea typeface="+mn-ea"/>
+          <a:cs typeface="+mn-cs"/>
+        </a:defRPr>
+      </a:lvl8pPr>
+      <a:lvl9pPr marL="3238370" indent="-190492" algn="l" defTabSz="761970" rtl="0" eaLnBrk="1" latinLnBrk="0" hangingPunct="1">
+        <a:spcBef>
+          <a:spcPct val="20000"/>
+        </a:spcBef>
+        <a:buFont typeface="Arial" panose="020B0604020202020204" pitchFamily="34" charset="0"/>
+        <a:buChar char="•"/>
+        <a:defRPr sz="1667" kern="1200">
+          <a:solidFill>
+            <a:schemeClr val="tx1"/>
+          </a:solidFill>
+          <a:latin typeface="+mn-lt"/>
+          <a:ea typeface="+mn-ea"/>
+          <a:cs typeface="+mn-cs"/>
+        </a:defRPr>
+      </a:lvl9pPr>
+    </p:bodyStyle>
+    <p:otherStyle>
+      <a:defPPr>
+        <a:defRPr lang="en-US"/>
+      </a:defPPr>
+      <a:lvl1pPr marL="0" algn="l" defTabSz="761970" rtl="0" eaLnBrk="1" latinLnBrk="0" hangingPunct="1">
+        <a:defRPr sz="1500" kern="1200">
+          <a:solidFill>
+            <a:schemeClr val="tx1"/>
+          </a:solidFill>
+          <a:latin typeface="+mn-lt"/>
+          <a:ea typeface="+mn-ea"/>
+          <a:cs typeface="+mn-cs"/>
+        </a:defRPr>
+      </a:lvl1pPr>
+      <a:lvl2pPr marL="380985" algn="l" defTabSz="761970" rtl="0" eaLnBrk="1" latinLnBrk="0" hangingPunct="1">
+        <a:defRPr sz="1500" kern="1200">
+          <a:solidFill>
+            <a:schemeClr val="tx1"/>
+          </a:solidFill>
+          <a:latin typeface="+mn-lt"/>
+          <a:ea typeface="+mn-ea"/>
+          <a:cs typeface="+mn-cs"/>
+        </a:defRPr>
+      </a:lvl2pPr>
+      <a:lvl3pPr marL="761970" algn="l" defTabSz="761970" rtl="0" eaLnBrk="1" latinLnBrk="0" hangingPunct="1">
+        <a:defRPr sz="1500" kern="1200">
+          <a:solidFill>
+            <a:schemeClr val="tx1"/>
+          </a:solidFill>
+          <a:latin typeface="+mn-lt"/>
+          <a:ea typeface="+mn-ea"/>
+          <a:cs typeface="+mn-cs"/>
+        </a:defRPr>
+      </a:lvl3pPr>
+      <a:lvl4pPr marL="1142954" algn="l" defTabSz="761970" rtl="0" eaLnBrk="1" latinLnBrk="0" hangingPunct="1">
+        <a:defRPr sz="1500" kern="1200">
+          <a:solidFill>
+            <a:schemeClr val="tx1"/>
+          </a:solidFill>
+          <a:latin typeface="+mn-lt"/>
+          <a:ea typeface="+mn-ea"/>
+          <a:cs typeface="+mn-cs"/>
+        </a:defRPr>
+      </a:lvl4pPr>
+      <a:lvl5pPr marL="1523939" algn="l" defTabSz="761970" rtl="0" eaLnBrk="1" latinLnBrk="0" hangingPunct="1">
+        <a:defRPr sz="1500" kern="1200">
+          <a:solidFill>
+            <a:schemeClr val="tx1"/>
+          </a:solidFill>
+          <a:latin typeface="+mn-lt"/>
+          <a:ea typeface="+mn-ea"/>
+          <a:cs typeface="+mn-cs"/>
+        </a:defRPr>
+      </a:lvl5pPr>
+      <a:lvl6pPr marL="1904924" algn="l" defTabSz="761970" rtl="0" eaLnBrk="1" latinLnBrk="0" hangingPunct="1">
+        <a:defRPr sz="1500" kern="1200">
+          <a:solidFill>
+            <a:schemeClr val="tx1"/>
+          </a:solidFill>
+          <a:latin typeface="+mn-lt"/>
+          <a:ea typeface="+mn-ea"/>
+          <a:cs typeface="+mn-cs"/>
+        </a:defRPr>
+      </a:lvl6pPr>
+      <a:lvl7pPr marL="2285909" algn="l" defTabSz="761970" rtl="0" eaLnBrk="1" latinLnBrk="0" hangingPunct="1">
+        <a:defRPr sz="1500" kern="1200">
+          <a:solidFill>
+            <a:schemeClr val="tx1"/>
+          </a:solidFill>
+          <a:latin typeface="+mn-lt"/>
+          <a:ea typeface="+mn-ea"/>
+          <a:cs typeface="+mn-cs"/>
+        </a:defRPr>
+      </a:lvl7pPr>
+      <a:lvl8pPr marL="2666893" algn="l" defTabSz="761970" rtl="0" eaLnBrk="1" latinLnBrk="0" hangingPunct="1">
+        <a:defRPr sz="1500" kern="1200">
+          <a:solidFill>
+            <a:schemeClr val="tx1"/>
+          </a:solidFill>
+          <a:latin typeface="+mn-lt"/>
+          <a:ea typeface="+mn-ea"/>
+          <a:cs typeface="+mn-cs"/>
+        </a:defRPr>
+      </a:lvl8pPr>
+      <a:lvl9pPr marL="3047878" algn="l" defTabSz="761970" rtl="0" eaLnBrk="1" latinLnBrk="0" hangingPunct="1">
+        <a:defRPr sz="1500" kern="1200">
+          <a:solidFill>
+            <a:schemeClr val="tx1"/>
+          </a:solidFill>
+          <a:latin typeface="+mn-lt"/>
+          <a:ea typeface="+mn-ea"/>
+          <a:cs typeface="+mn-cs"/>
+        </a:defRPr>
+      </a:lvl9pPr>
+    </p:otherStyle>
+  </p:txStyles>
+</p:sldMaster>
+</file>
+
 <file path=ppt/slides/slide1.xml><?xml version="1.0" encoding="utf-8"?>
 <p:sld xmlns:a="http://schemas.openxmlformats.org/drawingml/2006/main" xmlns:r="http://schemas.openxmlformats.org/officeDocument/2006/relationships" xmlns:p="http://schemas.openxmlformats.org/presentationml/2006/main">
   <p:cSld>
@@ -6492,7 +10707,7 @@
           <a:bodyPr/>
           <a:lstStyle/>
           <a:p>
-            <a:endParaRPr lang="en-US"/>
+            <a:endParaRPr lang="en-US" dirty="0"/>
           </a:p>
         </p:txBody>
       </p:sp>
@@ -7298,25 +11513,6 @@
               <a:t>ML2-Plugin and mechanism Manager/Driver</a:t>
             </a:r>
             <a:endParaRPr lang="en-US" dirty="0"/>
-          </a:p>
-        </p:txBody>
-      </p:sp>
-      <p:sp>
-        <p:nvSpPr>
-          <p:cNvPr id="3" name="Text Placeholder 2"/>
-          <p:cNvSpPr>
-            <a:spLocks noGrp="1"/>
-          </p:cNvSpPr>
-          <p:nvPr>
-            <p:ph type="body" idx="1"/>
-          </p:nvPr>
-        </p:nvSpPr>
-        <p:spPr/>
-        <p:txBody>
-          <a:bodyPr/>
-          <a:lstStyle/>
-          <a:p>
-            <a:endParaRPr lang="en-US"/>
           </a:p>
         </p:txBody>
       </p:sp>
@@ -10218,7 +14414,11 @@
           <a:bodyPr/>
           <a:lstStyle/>
           <a:p>
-            <a:endParaRPr lang="en-US"/>
+            <a:r>
+              <a:rPr lang="en-US" dirty="0" smtClean="0"/>
+              <a:t>Mechanism Manager</a:t>
+            </a:r>
+            <a:endParaRPr lang="en-US" dirty="0"/>
           </a:p>
         </p:txBody>
       </p:sp>
@@ -14275,8 +18475,8 @@
         </p:blipFill>
         <p:spPr bwMode="auto">
           <a:xfrm>
-            <a:off x="-16043" y="0"/>
-            <a:ext cx="9208525" cy="5715000"/>
+            <a:off x="-16043" y="124672"/>
+            <a:ext cx="9007643" cy="5590328"/>
           </a:xfrm>
           <a:prstGeom prst="rect">
             <a:avLst/>
@@ -22645,25 +26845,6 @@
           </a:p>
         </p:txBody>
       </p:sp>
-      <p:sp>
-        <p:nvSpPr>
-          <p:cNvPr id="3" name="Text Placeholder 2"/>
-          <p:cNvSpPr>
-            <a:spLocks noGrp="1"/>
-          </p:cNvSpPr>
-          <p:nvPr>
-            <p:ph type="body" idx="1"/>
-          </p:nvPr>
-        </p:nvSpPr>
-        <p:spPr/>
-        <p:txBody>
-          <a:bodyPr/>
-          <a:lstStyle/>
-          <a:p>
-            <a:endParaRPr lang="en-US"/>
-          </a:p>
-        </p:txBody>
-      </p:sp>
     </p:spTree>
     <p:extLst>
       <p:ext uri="{BB962C8B-B14F-4D97-AF65-F5344CB8AC3E}">
@@ -33485,7 +37666,7 @@
         </p:nvGraphicFramePr>
         <p:xfrm>
           <a:off x="381000" y="1397000"/>
-          <a:ext cx="8229600" cy="2199640"/>
+          <a:ext cx="8229600" cy="1925320"/>
         </p:xfrm>
         <a:graphic>
           <a:graphicData uri="http://schemas.openxmlformats.org/drawingml/2006/table">
@@ -33752,7 +37933,7 @@
         </p:nvGraphicFramePr>
         <p:xfrm>
           <a:off x="381000" y="1397000"/>
-          <a:ext cx="8458200" cy="1010920"/>
+          <a:ext cx="8458200" cy="919480"/>
         </p:xfrm>
         <a:graphic>
           <a:graphicData uri="http://schemas.openxmlformats.org/drawingml/2006/table">
@@ -34106,7 +38287,7 @@
         </p:nvGraphicFramePr>
         <p:xfrm>
           <a:off x="252663" y="838200"/>
-          <a:ext cx="8638674" cy="5511800"/>
+          <a:ext cx="8638674" cy="4963160"/>
         </p:xfrm>
         <a:graphic>
           <a:graphicData uri="http://schemas.openxmlformats.org/drawingml/2006/table">
@@ -34828,7 +39009,7 @@
         </p:nvGraphicFramePr>
         <p:xfrm>
           <a:off x="381000" y="1600200"/>
-          <a:ext cx="8458200" cy="1920240"/>
+          <a:ext cx="8458200" cy="1468120"/>
         </p:xfrm>
         <a:graphic>
           <a:graphicData uri="http://schemas.openxmlformats.org/drawingml/2006/table">
@@ -35020,7 +39201,7 @@
         </p:nvGraphicFramePr>
         <p:xfrm>
           <a:off x="304800" y="1295400"/>
-          <a:ext cx="8534400" cy="1173480"/>
+          <a:ext cx="8534400" cy="1082040"/>
         </p:xfrm>
         <a:graphic>
           <a:graphicData uri="http://schemas.openxmlformats.org/drawingml/2006/table">
@@ -37086,6 +41267,296 @@
 </file>
 
 <file path=ppt/theme/theme2.xml><?xml version="1.0" encoding="utf-8"?>
+<a:theme xmlns:a="http://schemas.openxmlformats.org/drawingml/2006/main" name="SimpleOrangeLinePPT">
+  <a:themeElements>
+    <a:clrScheme name="Office">
+      <a:dk1>
+        <a:sysClr val="windowText" lastClr="000000"/>
+      </a:dk1>
+      <a:lt1>
+        <a:sysClr val="window" lastClr="FFFFFF"/>
+      </a:lt1>
+      <a:dk2>
+        <a:srgbClr val="1F497D"/>
+      </a:dk2>
+      <a:lt2>
+        <a:srgbClr val="EEECE1"/>
+      </a:lt2>
+      <a:accent1>
+        <a:srgbClr val="4F81BD"/>
+      </a:accent1>
+      <a:accent2>
+        <a:srgbClr val="C0504D"/>
+      </a:accent2>
+      <a:accent3>
+        <a:srgbClr val="9BBB59"/>
+      </a:accent3>
+      <a:accent4>
+        <a:srgbClr val="8064A2"/>
+      </a:accent4>
+      <a:accent5>
+        <a:srgbClr val="4BACC6"/>
+      </a:accent5>
+      <a:accent6>
+        <a:srgbClr val="F79646"/>
+      </a:accent6>
+      <a:hlink>
+        <a:srgbClr val="0000FF"/>
+      </a:hlink>
+      <a:folHlink>
+        <a:srgbClr val="800080"/>
+      </a:folHlink>
+    </a:clrScheme>
+    <a:fontScheme name="Office">
+      <a:majorFont>
+        <a:latin typeface="Calibri"/>
+        <a:ea typeface=""/>
+        <a:cs typeface=""/>
+        <a:font script="Jpan" typeface="ＭＳ Ｐゴシック"/>
+        <a:font script="Hang" typeface="맑은 고딕"/>
+        <a:font script="Hans" typeface="宋体"/>
+        <a:font script="Hant" typeface="新細明體"/>
+        <a:font script="Arab" typeface="Times New Roman"/>
+        <a:font script="Hebr" typeface="Times New Roman"/>
+        <a:font script="Thai" typeface="Angsana New"/>
+        <a:font script="Ethi" typeface="Nyala"/>
+        <a:font script="Beng" typeface="Vrinda"/>
+        <a:font script="Gujr" typeface="Shruti"/>
+        <a:font script="Khmr" typeface="MoolBoran"/>
+        <a:font script="Knda" typeface="Tunga"/>
+        <a:font script="Guru" typeface="Raavi"/>
+        <a:font script="Cans" typeface="Euphemia"/>
+        <a:font script="Cher" typeface="Plantagenet Cherokee"/>
+        <a:font script="Yiii" typeface="Microsoft Yi Baiti"/>
+        <a:font script="Tibt" typeface="Microsoft Himalaya"/>
+        <a:font script="Thaa" typeface="MV Boli"/>
+        <a:font script="Deva" typeface="Mangal"/>
+        <a:font script="Telu" typeface="Gautami"/>
+        <a:font script="Taml" typeface="Latha"/>
+        <a:font script="Syrc" typeface="Estrangelo Edessa"/>
+        <a:font script="Orya" typeface="Kalinga"/>
+        <a:font script="Mlym" typeface="Kartika"/>
+        <a:font script="Laoo" typeface="DokChampa"/>
+        <a:font script="Sinh" typeface="Iskoola Pota"/>
+        <a:font script="Mong" typeface="Mongolian Baiti"/>
+        <a:font script="Viet" typeface="Times New Roman"/>
+        <a:font script="Uigh" typeface="Microsoft Uighur"/>
+        <a:font script="Geor" typeface="Sylfaen"/>
+      </a:majorFont>
+      <a:minorFont>
+        <a:latin typeface="Calibri"/>
+        <a:ea typeface=""/>
+        <a:cs typeface=""/>
+        <a:font script="Jpan" typeface="ＭＳ Ｐゴシック"/>
+        <a:font script="Hang" typeface="맑은 고딕"/>
+        <a:font script="Hans" typeface="宋体"/>
+        <a:font script="Hant" typeface="新細明體"/>
+        <a:font script="Arab" typeface="Arial"/>
+        <a:font script="Hebr" typeface="Arial"/>
+        <a:font script="Thai" typeface="Cordia New"/>
+        <a:font script="Ethi" typeface="Nyala"/>
+        <a:font script="Beng" typeface="Vrinda"/>
+        <a:font script="Gujr" typeface="Shruti"/>
+        <a:font script="Khmr" typeface="DaunPenh"/>
+        <a:font script="Knda" typeface="Tunga"/>
+        <a:font script="Guru" typeface="Raavi"/>
+        <a:font script="Cans" typeface="Euphemia"/>
+        <a:font script="Cher" typeface="Plantagenet Cherokee"/>
+        <a:font script="Yiii" typeface="Microsoft Yi Baiti"/>
+        <a:font script="Tibt" typeface="Microsoft Himalaya"/>
+        <a:font script="Thaa" typeface="MV Boli"/>
+        <a:font script="Deva" typeface="Mangal"/>
+        <a:font script="Telu" typeface="Gautami"/>
+        <a:font script="Taml" typeface="Latha"/>
+        <a:font script="Syrc" typeface="Estrangelo Edessa"/>
+        <a:font script="Orya" typeface="Kalinga"/>
+        <a:font script="Mlym" typeface="Kartika"/>
+        <a:font script="Laoo" typeface="DokChampa"/>
+        <a:font script="Sinh" typeface="Iskoola Pota"/>
+        <a:font script="Mong" typeface="Mongolian Baiti"/>
+        <a:font script="Viet" typeface="Arial"/>
+        <a:font script="Uigh" typeface="Microsoft Uighur"/>
+        <a:font script="Geor" typeface="Sylfaen"/>
+      </a:minorFont>
+    </a:fontScheme>
+    <a:fmtScheme name="Office">
+      <a:fillStyleLst>
+        <a:solidFill>
+          <a:schemeClr val="phClr"/>
+        </a:solidFill>
+        <a:gradFill rotWithShape="1">
+          <a:gsLst>
+            <a:gs pos="0">
+              <a:schemeClr val="phClr">
+                <a:tint val="50000"/>
+                <a:satMod val="300000"/>
+              </a:schemeClr>
+            </a:gs>
+            <a:gs pos="35000">
+              <a:schemeClr val="phClr">
+                <a:tint val="37000"/>
+                <a:satMod val="300000"/>
+              </a:schemeClr>
+            </a:gs>
+            <a:gs pos="100000">
+              <a:schemeClr val="phClr">
+                <a:tint val="15000"/>
+                <a:satMod val="350000"/>
+              </a:schemeClr>
+            </a:gs>
+          </a:gsLst>
+          <a:lin ang="16200000" scaled="1"/>
+        </a:gradFill>
+        <a:gradFill rotWithShape="1">
+          <a:gsLst>
+            <a:gs pos="0">
+              <a:schemeClr val="phClr">
+                <a:shade val="51000"/>
+                <a:satMod val="130000"/>
+              </a:schemeClr>
+            </a:gs>
+            <a:gs pos="80000">
+              <a:schemeClr val="phClr">
+                <a:shade val="93000"/>
+                <a:satMod val="130000"/>
+              </a:schemeClr>
+            </a:gs>
+            <a:gs pos="100000">
+              <a:schemeClr val="phClr">
+                <a:shade val="94000"/>
+                <a:satMod val="135000"/>
+              </a:schemeClr>
+            </a:gs>
+          </a:gsLst>
+          <a:lin ang="16200000" scaled="0"/>
+        </a:gradFill>
+      </a:fillStyleLst>
+      <a:lnStyleLst>
+        <a:ln w="9525" cap="flat" cmpd="sng" algn="ctr">
+          <a:solidFill>
+            <a:schemeClr val="phClr">
+              <a:shade val="95000"/>
+              <a:satMod val="105000"/>
+            </a:schemeClr>
+          </a:solidFill>
+          <a:prstDash val="solid"/>
+        </a:ln>
+        <a:ln w="25400" cap="flat" cmpd="sng" algn="ctr">
+          <a:solidFill>
+            <a:schemeClr val="phClr"/>
+          </a:solidFill>
+          <a:prstDash val="solid"/>
+        </a:ln>
+        <a:ln w="38100" cap="flat" cmpd="sng" algn="ctr">
+          <a:solidFill>
+            <a:schemeClr val="phClr"/>
+          </a:solidFill>
+          <a:prstDash val="solid"/>
+        </a:ln>
+      </a:lnStyleLst>
+      <a:effectStyleLst>
+        <a:effectStyle>
+          <a:effectLst>
+            <a:outerShdw blurRad="40000" dist="20000" dir="5400000" rotWithShape="0">
+              <a:srgbClr val="000000">
+                <a:alpha val="38000"/>
+              </a:srgbClr>
+            </a:outerShdw>
+          </a:effectLst>
+        </a:effectStyle>
+        <a:effectStyle>
+          <a:effectLst>
+            <a:outerShdw blurRad="40000" dist="23000" dir="5400000" rotWithShape="0">
+              <a:srgbClr val="000000">
+                <a:alpha val="35000"/>
+              </a:srgbClr>
+            </a:outerShdw>
+          </a:effectLst>
+        </a:effectStyle>
+        <a:effectStyle>
+          <a:effectLst>
+            <a:outerShdw blurRad="40000" dist="23000" dir="5400000" rotWithShape="0">
+              <a:srgbClr val="000000">
+                <a:alpha val="35000"/>
+              </a:srgbClr>
+            </a:outerShdw>
+          </a:effectLst>
+          <a:scene3d>
+            <a:camera prst="orthographicFront">
+              <a:rot lat="0" lon="0" rev="0"/>
+            </a:camera>
+            <a:lightRig rig="threePt" dir="t">
+              <a:rot lat="0" lon="0" rev="1200000"/>
+            </a:lightRig>
+          </a:scene3d>
+          <a:sp3d>
+            <a:bevelT w="63500" h="25400"/>
+          </a:sp3d>
+        </a:effectStyle>
+      </a:effectStyleLst>
+      <a:bgFillStyleLst>
+        <a:solidFill>
+          <a:schemeClr val="phClr"/>
+        </a:solidFill>
+        <a:gradFill rotWithShape="1">
+          <a:gsLst>
+            <a:gs pos="0">
+              <a:schemeClr val="phClr">
+                <a:tint val="40000"/>
+                <a:satMod val="350000"/>
+              </a:schemeClr>
+            </a:gs>
+            <a:gs pos="40000">
+              <a:schemeClr val="phClr">
+                <a:tint val="45000"/>
+                <a:shade val="99000"/>
+                <a:satMod val="350000"/>
+              </a:schemeClr>
+            </a:gs>
+            <a:gs pos="100000">
+              <a:schemeClr val="phClr">
+                <a:shade val="20000"/>
+                <a:satMod val="255000"/>
+              </a:schemeClr>
+            </a:gs>
+          </a:gsLst>
+          <a:path path="circle">
+            <a:fillToRect l="50000" t="-80000" r="50000" b="180000"/>
+          </a:path>
+        </a:gradFill>
+        <a:gradFill rotWithShape="1">
+          <a:gsLst>
+            <a:gs pos="0">
+              <a:schemeClr val="phClr">
+                <a:tint val="80000"/>
+                <a:satMod val="300000"/>
+              </a:schemeClr>
+            </a:gs>
+            <a:gs pos="100000">
+              <a:schemeClr val="phClr">
+                <a:shade val="30000"/>
+                <a:satMod val="200000"/>
+              </a:schemeClr>
+            </a:gs>
+          </a:gsLst>
+          <a:path path="circle">
+            <a:fillToRect l="50000" t="50000" r="50000" b="50000"/>
+          </a:path>
+        </a:gradFill>
+      </a:bgFillStyleLst>
+    </a:fmtScheme>
+  </a:themeElements>
+  <a:objectDefaults/>
+  <a:extraClrSchemeLst/>
+  <a:extLst>
+    <a:ext uri="{05A4C25C-085E-4340-85A3-A5531E510DB2}">
+      <thm15:themeFamily xmlns:thm15="http://schemas.microsoft.com/office/thememl/2012/main" name="SimpleOrangeLinePPT" id="{B850F300-3A6F-5E44-B2B2-B19B4711B10F}" vid="{8B58572D-2C56-6F41-98C0-684C2D82D463}"/>
+    </a:ext>
+  </a:extLst>
+</a:theme>
+</file>
+
+<file path=ppt/theme/theme3.xml><?xml version="1.0" encoding="utf-8"?>
 <a:theme xmlns:a="http://schemas.openxmlformats.org/drawingml/2006/main" name="Office Theme">
   <a:themeElements>
     <a:clrScheme name="Office">
